--- a/documents/Liquid.pptx
+++ b/documents/Liquid.pptx
@@ -4765,7 +4765,7 @@
         </p:nvSpPr>
         <p:spPr>
           <a:xfrm>
-            <a:off x="5324068" y="4221088"/>
+            <a:off x="5775155" y="4014356"/>
             <a:ext cx="1082040" cy="1363980"/>
           </a:xfrm>
           <a:custGeom>
@@ -4912,7 +4912,7 @@
         </p:nvSpPr>
         <p:spPr>
           <a:xfrm>
-            <a:off x="5212080" y="1973580"/>
+            <a:off x="5663167" y="1766848"/>
             <a:ext cx="1082040" cy="1363980"/>
           </a:xfrm>
           <a:custGeom>
@@ -5059,7 +5059,7 @@
         </p:nvSpPr>
         <p:spPr>
           <a:xfrm>
-            <a:off x="217212" y="755412"/>
+            <a:off x="668299" y="548680"/>
             <a:ext cx="6612901" cy="369332"/>
           </a:xfrm>
           <a:prstGeom prst="rect">
@@ -5144,7 +5144,7 @@
         </p:blipFill>
         <p:spPr bwMode="auto">
           <a:xfrm>
-            <a:off x="6734210" y="4482419"/>
+            <a:off x="7185297" y="4275687"/>
             <a:ext cx="636652" cy="636653"/>
           </a:xfrm>
           <a:prstGeom prst="rect">
@@ -5185,7 +5185,7 @@
         </p:blipFill>
         <p:spPr bwMode="auto">
           <a:xfrm>
-            <a:off x="6660232" y="1680983"/>
+            <a:off x="7111319" y="1474251"/>
             <a:ext cx="701296" cy="701296"/>
           </a:xfrm>
           <a:prstGeom prst="rect">
@@ -5211,7 +5211,7 @@
         </p:nvSpPr>
         <p:spPr>
           <a:xfrm>
-            <a:off x="4922424" y="2548156"/>
+            <a:off x="5373511" y="2341424"/>
             <a:ext cx="216024" cy="216024"/>
           </a:xfrm>
           <a:prstGeom prst="ellipse">
@@ -5251,7 +5251,7 @@
         </p:nvSpPr>
         <p:spPr>
           <a:xfrm>
-            <a:off x="4994432" y="2116108"/>
+            <a:off x="5445519" y="1909376"/>
             <a:ext cx="216024" cy="216024"/>
           </a:xfrm>
           <a:prstGeom prst="ellipse">
@@ -5291,7 +5291,7 @@
         </p:nvSpPr>
         <p:spPr>
           <a:xfrm>
-            <a:off x="5282464" y="2548156"/>
+            <a:off x="5733551" y="2341424"/>
             <a:ext cx="216024" cy="216024"/>
           </a:xfrm>
           <a:prstGeom prst="ellipse">
@@ -5331,7 +5331,7 @@
         </p:nvSpPr>
         <p:spPr>
           <a:xfrm>
-            <a:off x="5282464" y="1684060"/>
+            <a:off x="5733551" y="1477328"/>
             <a:ext cx="216024" cy="216024"/>
           </a:xfrm>
           <a:prstGeom prst="ellipse">
@@ -5371,7 +5371,7 @@
         </p:nvSpPr>
         <p:spPr>
           <a:xfrm>
-            <a:off x="5570496" y="2116108"/>
+            <a:off x="6021583" y="1909376"/>
             <a:ext cx="216024" cy="216024"/>
           </a:xfrm>
           <a:prstGeom prst="ellipse">
@@ -5414,7 +5414,7 @@
         </p:nvCxnSpPr>
         <p:spPr>
           <a:xfrm flipH="1">
-            <a:off x="5102444" y="1868448"/>
+            <a:off x="5553531" y="1661716"/>
             <a:ext cx="211656" cy="247660"/>
           </a:xfrm>
           <a:prstGeom prst="straightConnector1">
@@ -5457,7 +5457,7 @@
         </p:nvCxnSpPr>
         <p:spPr>
           <a:xfrm>
-            <a:off x="5466852" y="1868448"/>
+            <a:off x="5917939" y="1661716"/>
             <a:ext cx="211656" cy="247660"/>
           </a:xfrm>
           <a:prstGeom prst="straightConnector1">
@@ -5500,7 +5500,7 @@
         </p:nvCxnSpPr>
         <p:spPr>
           <a:xfrm flipH="1">
-            <a:off x="5390476" y="2300496"/>
+            <a:off x="5841563" y="2093764"/>
             <a:ext cx="211656" cy="247660"/>
           </a:xfrm>
           <a:prstGeom prst="straightConnector1">
@@ -5543,7 +5543,7 @@
         </p:nvCxnSpPr>
         <p:spPr>
           <a:xfrm>
-            <a:off x="5102444" y="2332132"/>
+            <a:off x="5553531" y="2125400"/>
             <a:ext cx="288032" cy="216024"/>
           </a:xfrm>
           <a:prstGeom prst="straightConnector1">
@@ -5586,7 +5586,7 @@
         </p:nvCxnSpPr>
         <p:spPr>
           <a:xfrm flipH="1">
-            <a:off x="5030436" y="2332132"/>
+            <a:off x="5481523" y="2125400"/>
             <a:ext cx="72008" cy="216024"/>
           </a:xfrm>
           <a:prstGeom prst="straightConnector1">
@@ -5629,7 +5629,7 @@
         </p:nvCxnSpPr>
         <p:spPr>
           <a:xfrm>
-            <a:off x="5754884" y="2300496"/>
+            <a:off x="6205971" y="2093764"/>
             <a:ext cx="221272" cy="264408"/>
           </a:xfrm>
           <a:prstGeom prst="straightConnector1">
@@ -5669,7 +5669,7 @@
         </p:nvSpPr>
         <p:spPr>
           <a:xfrm>
-            <a:off x="5868144" y="2564904"/>
+            <a:off x="6319231" y="2358172"/>
             <a:ext cx="216024" cy="216024"/>
           </a:xfrm>
           <a:prstGeom prst="ellipse">
@@ -5709,7 +5709,7 @@
         </p:nvSpPr>
         <p:spPr>
           <a:xfrm>
-            <a:off x="5408476" y="2980204"/>
+            <a:off x="5859563" y="2773472"/>
             <a:ext cx="216024" cy="216024"/>
           </a:xfrm>
           <a:prstGeom prst="ellipse">
@@ -5752,7 +5752,7 @@
         </p:nvCxnSpPr>
         <p:spPr>
           <a:xfrm>
-            <a:off x="5390476" y="2764180"/>
+            <a:off x="5841563" y="2557448"/>
             <a:ext cx="126012" cy="216024"/>
           </a:xfrm>
           <a:prstGeom prst="straightConnector1">
@@ -5792,7 +5792,7 @@
         </p:nvSpPr>
         <p:spPr>
           <a:xfrm>
-            <a:off x="5940152" y="1628800"/>
+            <a:off x="6391239" y="1422068"/>
             <a:ext cx="216024" cy="216024"/>
           </a:xfrm>
           <a:prstGeom prst="ellipse">
@@ -5835,7 +5835,7 @@
         </p:nvCxnSpPr>
         <p:spPr>
           <a:xfrm flipH="1">
-            <a:off x="5754884" y="1813188"/>
+            <a:off x="6205971" y="1606456"/>
             <a:ext cx="216904" cy="334556"/>
           </a:xfrm>
           <a:prstGeom prst="straightConnector1">
@@ -5875,7 +5875,7 @@
         </p:nvSpPr>
         <p:spPr>
           <a:xfrm>
-            <a:off x="5722896" y="4365104"/>
+            <a:off x="6173983" y="4158372"/>
             <a:ext cx="216024" cy="216024"/>
           </a:xfrm>
           <a:prstGeom prst="ellipse">
@@ -5918,7 +5918,7 @@
         </p:nvCxnSpPr>
         <p:spPr>
           <a:xfrm flipH="1">
-            <a:off x="5542876" y="4549492"/>
+            <a:off x="5993963" y="4342760"/>
             <a:ext cx="211656" cy="247660"/>
           </a:xfrm>
           <a:prstGeom prst="straightConnector1">
@@ -5961,7 +5961,7 @@
         </p:nvCxnSpPr>
         <p:spPr>
           <a:xfrm>
-            <a:off x="5907284" y="4549492"/>
+            <a:off x="6358371" y="4342760"/>
             <a:ext cx="221272" cy="264408"/>
           </a:xfrm>
           <a:prstGeom prst="straightConnector1">
@@ -6001,7 +6001,7 @@
         </p:nvSpPr>
         <p:spPr>
           <a:xfrm>
-            <a:off x="6020544" y="4813900"/>
+            <a:off x="6471631" y="4607168"/>
             <a:ext cx="216024" cy="216024"/>
           </a:xfrm>
           <a:prstGeom prst="ellipse">
@@ -6041,7 +6041,7 @@
         </p:nvSpPr>
         <p:spPr>
           <a:xfrm>
-            <a:off x="5560876" y="5229200"/>
+            <a:off x="6011963" y="5022468"/>
             <a:ext cx="216024" cy="216024"/>
           </a:xfrm>
           <a:prstGeom prst="ellipse">
@@ -6084,7 +6084,7 @@
         </p:nvCxnSpPr>
         <p:spPr>
           <a:xfrm>
-            <a:off x="5542876" y="5013176"/>
+            <a:off x="5993963" y="4806444"/>
             <a:ext cx="126012" cy="216024"/>
           </a:xfrm>
           <a:prstGeom prst="straightConnector1">
@@ -6125,13 +6125,13 @@
           <p:nvPr>
             <p:extLst>
               <p:ext uri="{D42A27DB-BD31-4B8C-83A1-F6EECF244321}">
-                <p14:modId xmlns:p14="http://schemas.microsoft.com/office/powerpoint/2010/main" val="730242177"/>
+                <p14:modId xmlns:p14="http://schemas.microsoft.com/office/powerpoint/2010/main" val="2671747330"/>
               </p:ext>
             </p:extLst>
           </p:nvPr>
         </p:nvGraphicFramePr>
         <p:xfrm>
-          <a:off x="564232" y="2440145"/>
+          <a:off x="1015319" y="2233413"/>
           <a:ext cx="3359696" cy="1902471"/>
         </p:xfrm>
         <a:graphic>
@@ -6245,7 +6245,7 @@
         </p:nvCxnSpPr>
         <p:spPr>
           <a:xfrm flipV="1">
-            <a:off x="3133395" y="2224120"/>
+            <a:off x="3584482" y="2017388"/>
             <a:ext cx="2437101" cy="1132872"/>
           </a:xfrm>
           <a:prstGeom prst="straightConnector1">
@@ -6282,7 +6282,7 @@
         </p:nvSpPr>
         <p:spPr>
           <a:xfrm>
-            <a:off x="6012160" y="2996952"/>
+            <a:off x="6463247" y="2790220"/>
             <a:ext cx="216024" cy="216024"/>
           </a:xfrm>
           <a:prstGeom prst="ellipse">
@@ -6325,7 +6325,7 @@
         </p:nvCxnSpPr>
         <p:spPr>
           <a:xfrm>
-            <a:off x="5976156" y="2780928"/>
+            <a:off x="6427243" y="2574196"/>
             <a:ext cx="144016" cy="216024"/>
           </a:xfrm>
           <a:prstGeom prst="straightConnector1">
@@ -6365,7 +6365,7 @@
         </p:nvSpPr>
         <p:spPr>
           <a:xfrm>
-            <a:off x="6186108" y="5213352"/>
+            <a:off x="6637195" y="5006620"/>
             <a:ext cx="216024" cy="216024"/>
           </a:xfrm>
           <a:prstGeom prst="ellipse">
@@ -6420,7 +6420,7 @@
         </p:nvCxnSpPr>
         <p:spPr>
           <a:xfrm>
-            <a:off x="6128556" y="5029924"/>
+            <a:off x="6579643" y="4823192"/>
             <a:ext cx="165564" cy="183428"/>
           </a:xfrm>
           <a:prstGeom prst="straightConnector1">
@@ -6463,7 +6463,7 @@
         </p:nvCxnSpPr>
         <p:spPr>
           <a:xfrm flipH="1">
-            <a:off x="5112060" y="2732544"/>
+            <a:off x="5563147" y="2525812"/>
             <a:ext cx="202040" cy="264408"/>
           </a:xfrm>
           <a:prstGeom prst="straightConnector1">
@@ -6503,7 +6503,7 @@
         </p:nvSpPr>
         <p:spPr>
           <a:xfrm>
-            <a:off x="5004048" y="2996952"/>
+            <a:off x="5455135" y="2790220"/>
             <a:ext cx="216024" cy="216024"/>
           </a:xfrm>
           <a:prstGeom prst="ellipse">
@@ -6543,7 +6543,7 @@
         </p:nvSpPr>
         <p:spPr>
           <a:xfrm>
-            <a:off x="5148064" y="5229200"/>
+            <a:off x="5599151" y="5022468"/>
             <a:ext cx="216024" cy="216024"/>
           </a:xfrm>
           <a:prstGeom prst="ellipse">
@@ -6598,7 +6598,7 @@
         </p:nvCxnSpPr>
         <p:spPr>
           <a:xfrm flipH="1">
-            <a:off x="5332452" y="4981540"/>
+            <a:off x="5783539" y="4774808"/>
             <a:ext cx="134048" cy="279296"/>
           </a:xfrm>
           <a:prstGeom prst="straightConnector1">
@@ -6638,7 +6638,7 @@
         </p:nvSpPr>
         <p:spPr>
           <a:xfrm>
-            <a:off x="4420566" y="5831686"/>
+            <a:off x="4871653" y="5624954"/>
             <a:ext cx="1303562" cy="261610"/>
           </a:xfrm>
           <a:prstGeom prst="rect">
@@ -6671,7 +6671,7 @@
         </p:nvCxnSpPr>
         <p:spPr>
           <a:xfrm flipV="1">
-            <a:off x="5072347" y="5413588"/>
+            <a:off x="5523434" y="5206856"/>
             <a:ext cx="107353" cy="418098"/>
           </a:xfrm>
           <a:prstGeom prst="line">
@@ -6712,7 +6712,7 @@
         </p:nvCxnSpPr>
         <p:spPr>
           <a:xfrm flipV="1">
-            <a:off x="5072347" y="5397740"/>
+            <a:off x="5523434" y="5191008"/>
             <a:ext cx="1145397" cy="433946"/>
           </a:xfrm>
           <a:prstGeom prst="line">
@@ -6750,7 +6750,7 @@
         </p:nvSpPr>
         <p:spPr>
           <a:xfrm>
-            <a:off x="3419872" y="4751566"/>
+            <a:off x="3870959" y="4544834"/>
             <a:ext cx="1253869" cy="261610"/>
           </a:xfrm>
           <a:prstGeom prst="rect">
@@ -6783,7 +6783,7 @@
         </p:nvCxnSpPr>
         <p:spPr>
           <a:xfrm flipH="1" flipV="1">
-            <a:off x="4673741" y="4882371"/>
+            <a:off x="5124828" y="4675639"/>
             <a:ext cx="761123" cy="22793"/>
           </a:xfrm>
           <a:prstGeom prst="line">
@@ -6824,7 +6824,7 @@
         </p:nvCxnSpPr>
         <p:spPr>
           <a:xfrm flipH="1">
-            <a:off x="4673741" y="4473116"/>
+            <a:off x="5124828" y="4266384"/>
             <a:ext cx="1049155" cy="409255"/>
           </a:xfrm>
           <a:prstGeom prst="line">
@@ -6865,7 +6865,7 @@
         </p:nvCxnSpPr>
         <p:spPr>
           <a:xfrm flipH="1" flipV="1">
-            <a:off x="4673741" y="4882371"/>
+            <a:off x="5124828" y="4675639"/>
             <a:ext cx="1346803" cy="39541"/>
           </a:xfrm>
           <a:prstGeom prst="line">
@@ -6906,7 +6906,7 @@
         </p:nvCxnSpPr>
         <p:spPr>
           <a:xfrm flipH="1" flipV="1">
-            <a:off x="4673741" y="4882371"/>
+            <a:off x="5124828" y="4675639"/>
             <a:ext cx="918771" cy="378465"/>
           </a:xfrm>
           <a:prstGeom prst="line">
@@ -6944,7 +6944,7 @@
         </p:nvSpPr>
         <p:spPr>
           <a:xfrm>
-            <a:off x="5434864" y="4797152"/>
+            <a:off x="5885951" y="4590420"/>
             <a:ext cx="216024" cy="216024"/>
           </a:xfrm>
           <a:prstGeom prst="ellipse">
@@ -6984,7 +6984,7 @@
         </p:nvSpPr>
         <p:spPr>
           <a:xfrm>
-            <a:off x="217212" y="6381328"/>
+            <a:off x="668299" y="6174596"/>
             <a:ext cx="7792133" cy="369332"/>
           </a:xfrm>
           <a:prstGeom prst="rect">
@@ -7022,7 +7022,7 @@
         </p:nvSpPr>
         <p:spPr>
           <a:xfrm rot="4650091">
-            <a:off x="5427591" y="3672346"/>
+            <a:off x="5878678" y="3465614"/>
             <a:ext cx="655804" cy="232912"/>
           </a:xfrm>
           <a:prstGeom prst="rightArrow">

--- a/documents/Liquid.pptx
+++ b/documents/Liquid.pptx
@@ -7114,7 +7114,7 @@
         </p:nvSpPr>
         <p:spPr>
           <a:xfrm>
-            <a:off x="1560984" y="2371730"/>
+            <a:off x="1681797" y="2542168"/>
             <a:ext cx="1074420" cy="883920"/>
           </a:xfrm>
           <a:custGeom>
@@ -7266,7 +7266,7 @@
         </p:nvSpPr>
         <p:spPr>
           <a:xfrm>
-            <a:off x="1335068" y="2789498"/>
+            <a:off x="1455881" y="2959936"/>
             <a:ext cx="884784" cy="883920"/>
           </a:xfrm>
           <a:custGeom>
@@ -7418,7 +7418,7 @@
         </p:nvSpPr>
         <p:spPr>
           <a:xfrm>
-            <a:off x="1003940" y="3231380"/>
+            <a:off x="1124753" y="3401818"/>
             <a:ext cx="990600" cy="1524000"/>
           </a:xfrm>
           <a:custGeom>
@@ -7602,7 +7602,7 @@
         </p:nvSpPr>
         <p:spPr>
           <a:xfrm>
-            <a:off x="5905772" y="2485316"/>
+            <a:off x="6026585" y="2655754"/>
             <a:ext cx="1074420" cy="883920"/>
           </a:xfrm>
           <a:custGeom>
@@ -7754,7 +7754,7 @@
         </p:nvSpPr>
         <p:spPr>
           <a:xfrm>
-            <a:off x="5679856" y="2903084"/>
+            <a:off x="5800669" y="3073522"/>
             <a:ext cx="884784" cy="883920"/>
           </a:xfrm>
           <a:custGeom>
@@ -7906,7 +7906,7 @@
         </p:nvSpPr>
         <p:spPr>
           <a:xfrm>
-            <a:off x="5348728" y="3344966"/>
+            <a:off x="5469541" y="3515404"/>
             <a:ext cx="990600" cy="1524000"/>
           </a:xfrm>
           <a:custGeom>
@@ -8090,7 +8090,7 @@
         </p:nvSpPr>
         <p:spPr>
           <a:xfrm>
-            <a:off x="5615428" y="2034326"/>
+            <a:off x="5736241" y="2204764"/>
             <a:ext cx="1074420" cy="883920"/>
           </a:xfrm>
           <a:custGeom>
@@ -8242,7 +8242,7 @@
         </p:nvSpPr>
         <p:spPr>
           <a:xfrm>
-            <a:off x="217212" y="755412"/>
+            <a:off x="338025" y="925850"/>
             <a:ext cx="8698471" cy="369332"/>
           </a:xfrm>
           <a:prstGeom prst="rect">
@@ -8287,7 +8287,7 @@
         </p:blipFill>
         <p:spPr bwMode="auto">
           <a:xfrm>
-            <a:off x="505352" y="1558477"/>
+            <a:off x="626165" y="1728915"/>
             <a:ext cx="636652" cy="636653"/>
           </a:xfrm>
           <a:prstGeom prst="rect">
@@ -8328,7 +8328,7 @@
         </p:blipFill>
         <p:spPr bwMode="auto">
           <a:xfrm>
-            <a:off x="7111064" y="1628800"/>
+            <a:off x="7231877" y="1799238"/>
             <a:ext cx="701296" cy="701296"/>
           </a:xfrm>
           <a:prstGeom prst="rect">
@@ -8354,7 +8354,7 @@
         </p:nvSpPr>
         <p:spPr>
           <a:xfrm>
-            <a:off x="5559408" y="3028452"/>
+            <a:off x="5680221" y="3198890"/>
             <a:ext cx="216024" cy="216024"/>
           </a:xfrm>
           <a:prstGeom prst="ellipse">
@@ -8394,7 +8394,7 @@
         </p:nvSpPr>
         <p:spPr>
           <a:xfrm>
-            <a:off x="5738820" y="2596404"/>
+            <a:off x="5859633" y="2766842"/>
             <a:ext cx="216024" cy="216024"/>
           </a:xfrm>
           <a:prstGeom prst="ellipse">
@@ -8434,7 +8434,7 @@
         </p:nvSpPr>
         <p:spPr>
           <a:xfrm>
-            <a:off x="6026852" y="3028452"/>
+            <a:off x="6147665" y="3198890"/>
             <a:ext cx="216024" cy="216024"/>
           </a:xfrm>
           <a:prstGeom prst="ellipse">
@@ -8474,7 +8474,7 @@
         </p:nvSpPr>
         <p:spPr>
           <a:xfrm>
-            <a:off x="6026852" y="2164356"/>
+            <a:off x="6147665" y="2334794"/>
             <a:ext cx="216024" cy="216024"/>
           </a:xfrm>
           <a:prstGeom prst="ellipse">
@@ -8514,7 +8514,7 @@
         </p:nvSpPr>
         <p:spPr>
           <a:xfrm>
-            <a:off x="6314884" y="2596404"/>
+            <a:off x="6435697" y="2766842"/>
             <a:ext cx="216024" cy="216024"/>
           </a:xfrm>
           <a:prstGeom prst="ellipse">
@@ -8557,7 +8557,7 @@
         </p:nvCxnSpPr>
         <p:spPr>
           <a:xfrm flipH="1">
-            <a:off x="5846832" y="2348744"/>
+            <a:off x="5967645" y="2519182"/>
             <a:ext cx="211656" cy="247660"/>
           </a:xfrm>
           <a:prstGeom prst="straightConnector1">
@@ -8600,7 +8600,7 @@
         </p:nvCxnSpPr>
         <p:spPr>
           <a:xfrm>
-            <a:off x="6211240" y="2348744"/>
+            <a:off x="6332053" y="2519182"/>
             <a:ext cx="211656" cy="247660"/>
           </a:xfrm>
           <a:prstGeom prst="straightConnector1">
@@ -8643,7 +8643,7 @@
         </p:nvCxnSpPr>
         <p:spPr>
           <a:xfrm flipH="1">
-            <a:off x="6134864" y="2780792"/>
+            <a:off x="6255677" y="2951230"/>
             <a:ext cx="211656" cy="247660"/>
           </a:xfrm>
           <a:prstGeom prst="straightConnector1">
@@ -8686,7 +8686,7 @@
         </p:nvCxnSpPr>
         <p:spPr>
           <a:xfrm>
-            <a:off x="5846832" y="2812428"/>
+            <a:off x="5967645" y="2982866"/>
             <a:ext cx="288032" cy="216024"/>
           </a:xfrm>
           <a:prstGeom prst="straightConnector1">
@@ -8729,7 +8729,7 @@
         </p:nvCxnSpPr>
         <p:spPr>
           <a:xfrm flipH="1">
-            <a:off x="5667420" y="2812428"/>
+            <a:off x="5788233" y="2982866"/>
             <a:ext cx="179412" cy="216024"/>
           </a:xfrm>
           <a:prstGeom prst="straightConnector1">
@@ -8772,7 +8772,7 @@
         </p:nvCxnSpPr>
         <p:spPr>
           <a:xfrm>
-            <a:off x="6499272" y="2780792"/>
+            <a:off x="6620085" y="2951230"/>
             <a:ext cx="221272" cy="264408"/>
           </a:xfrm>
           <a:prstGeom prst="straightConnector1">
@@ -8812,7 +8812,7 @@
         </p:nvSpPr>
         <p:spPr>
           <a:xfrm>
-            <a:off x="6612532" y="3045200"/>
+            <a:off x="6733345" y="3215638"/>
             <a:ext cx="216024" cy="216024"/>
           </a:xfrm>
           <a:prstGeom prst="ellipse">
@@ -8852,7 +8852,7 @@
         </p:nvSpPr>
         <p:spPr>
           <a:xfrm>
-            <a:off x="6152864" y="3460500"/>
+            <a:off x="6273677" y="3630938"/>
             <a:ext cx="216024" cy="216024"/>
           </a:xfrm>
           <a:prstGeom prst="ellipse">
@@ -8895,7 +8895,7 @@
         </p:nvCxnSpPr>
         <p:spPr>
           <a:xfrm>
-            <a:off x="6134864" y="3244476"/>
+            <a:off x="6255677" y="3414914"/>
             <a:ext cx="126012" cy="216024"/>
           </a:xfrm>
           <a:prstGeom prst="straightConnector1">
@@ -8935,7 +8935,7 @@
         </p:nvSpPr>
         <p:spPr>
           <a:xfrm>
-            <a:off x="5630808" y="3981843"/>
+            <a:off x="5751621" y="4152281"/>
             <a:ext cx="216024" cy="216024"/>
           </a:xfrm>
           <a:prstGeom prst="ellipse">
@@ -8975,7 +8975,7 @@
         </p:nvSpPr>
         <p:spPr>
           <a:xfrm>
-            <a:off x="6756548" y="3477248"/>
+            <a:off x="6877361" y="3647686"/>
             <a:ext cx="216024" cy="216024"/>
           </a:xfrm>
           <a:prstGeom prst="ellipse">
@@ -9018,7 +9018,7 @@
         </p:nvCxnSpPr>
         <p:spPr>
           <a:xfrm>
-            <a:off x="6720544" y="3261224"/>
+            <a:off x="6841357" y="3431662"/>
             <a:ext cx="144016" cy="216024"/>
           </a:xfrm>
           <a:prstGeom prst="straightConnector1">
@@ -9061,7 +9061,7 @@
         </p:nvCxnSpPr>
         <p:spPr>
           <a:xfrm flipH="1">
-            <a:off x="5856448" y="3212840"/>
+            <a:off x="5977261" y="3383278"/>
             <a:ext cx="202040" cy="264408"/>
           </a:xfrm>
           <a:prstGeom prst="straightConnector1">
@@ -9101,7 +9101,7 @@
         </p:nvSpPr>
         <p:spPr>
           <a:xfrm>
-            <a:off x="5748436" y="3477248"/>
+            <a:off x="5869249" y="3647686"/>
             <a:ext cx="216024" cy="216024"/>
           </a:xfrm>
           <a:prstGeom prst="ellipse">
@@ -9144,7 +9144,7 @@
         </p:nvCxnSpPr>
         <p:spPr>
           <a:xfrm flipH="1">
-            <a:off x="5738820" y="3693272"/>
+            <a:off x="5859633" y="3863710"/>
             <a:ext cx="117628" cy="288571"/>
           </a:xfrm>
           <a:prstGeom prst="straightConnector1">
@@ -9184,7 +9184,7 @@
         </p:nvSpPr>
         <p:spPr>
           <a:xfrm>
-            <a:off x="5991456" y="3981843"/>
+            <a:off x="6112269" y="4152281"/>
             <a:ext cx="216024" cy="216024"/>
           </a:xfrm>
           <a:prstGeom prst="ellipse">
@@ -9227,7 +9227,7 @@
         </p:nvCxnSpPr>
         <p:spPr>
           <a:xfrm>
-            <a:off x="5856448" y="3693272"/>
+            <a:off x="5977261" y="3863710"/>
             <a:ext cx="243020" cy="288571"/>
           </a:xfrm>
           <a:prstGeom prst="straightConnector1">
@@ -9267,7 +9267,7 @@
         </p:nvSpPr>
         <p:spPr>
           <a:xfrm>
-            <a:off x="5486792" y="4500894"/>
+            <a:off x="5607605" y="4671332"/>
             <a:ext cx="216024" cy="216024"/>
           </a:xfrm>
           <a:prstGeom prst="ellipse">
@@ -9309,7 +9309,7 @@
         </p:nvCxnSpPr>
         <p:spPr>
           <a:xfrm flipH="1">
-            <a:off x="5594804" y="4212323"/>
+            <a:off x="5715617" y="4382761"/>
             <a:ext cx="117628" cy="288571"/>
           </a:xfrm>
           <a:prstGeom prst="straightConnector1">
@@ -9349,7 +9349,7 @@
         </p:nvSpPr>
         <p:spPr>
           <a:xfrm>
-            <a:off x="5847440" y="4500894"/>
+            <a:off x="5968253" y="4671332"/>
             <a:ext cx="216024" cy="216024"/>
           </a:xfrm>
           <a:prstGeom prst="ellipse">
@@ -9392,7 +9392,7 @@
         </p:nvCxnSpPr>
         <p:spPr>
           <a:xfrm>
-            <a:off x="5815196" y="4166231"/>
+            <a:off x="5936009" y="4336669"/>
             <a:ext cx="140256" cy="334663"/>
           </a:xfrm>
           <a:prstGeom prst="straightConnector1">
@@ -9432,7 +9432,7 @@
         </p:nvSpPr>
         <p:spPr>
           <a:xfrm>
-            <a:off x="5320424" y="3477248"/>
+            <a:off x="5441237" y="3647686"/>
             <a:ext cx="216024" cy="216024"/>
           </a:xfrm>
           <a:prstGeom prst="ellipse">
@@ -9475,7 +9475,7 @@
         </p:nvCxnSpPr>
         <p:spPr>
           <a:xfrm flipH="1">
-            <a:off x="5504812" y="3212840"/>
+            <a:off x="5625625" y="3383278"/>
             <a:ext cx="86232" cy="296044"/>
           </a:xfrm>
           <a:prstGeom prst="straightConnector1">
@@ -9515,7 +9515,7 @@
         </p:nvSpPr>
         <p:spPr>
           <a:xfrm>
-            <a:off x="1270640" y="1920740"/>
+            <a:off x="1391453" y="2091178"/>
             <a:ext cx="1074420" cy="883920"/>
           </a:xfrm>
           <a:custGeom>
@@ -9667,7 +9667,7 @@
         </p:nvSpPr>
         <p:spPr>
           <a:xfrm>
-            <a:off x="1214620" y="2914866"/>
+            <a:off x="1335433" y="3085304"/>
             <a:ext cx="216024" cy="216024"/>
           </a:xfrm>
           <a:prstGeom prst="ellipse">
@@ -9720,7 +9720,7 @@
         </p:nvSpPr>
         <p:spPr>
           <a:xfrm>
-            <a:off x="1394032" y="2482818"/>
+            <a:off x="1514845" y="2653256"/>
             <a:ext cx="216024" cy="216024"/>
           </a:xfrm>
           <a:prstGeom prst="ellipse">
@@ -9760,7 +9760,7 @@
         </p:nvSpPr>
         <p:spPr>
           <a:xfrm>
-            <a:off x="1682064" y="2914866"/>
+            <a:off x="1802877" y="3085304"/>
             <a:ext cx="216024" cy="216024"/>
           </a:xfrm>
           <a:prstGeom prst="ellipse">
@@ -9800,7 +9800,7 @@
         </p:nvSpPr>
         <p:spPr>
           <a:xfrm>
-            <a:off x="1682064" y="2050770"/>
+            <a:off x="1802877" y="2221208"/>
             <a:ext cx="216024" cy="216024"/>
           </a:xfrm>
           <a:prstGeom prst="ellipse">
@@ -9840,7 +9840,7 @@
         </p:nvSpPr>
         <p:spPr>
           <a:xfrm>
-            <a:off x="1970096" y="2482818"/>
+            <a:off x="2090909" y="2653256"/>
             <a:ext cx="216024" cy="216024"/>
           </a:xfrm>
           <a:prstGeom prst="ellipse">
@@ -9883,7 +9883,7 @@
         </p:nvCxnSpPr>
         <p:spPr>
           <a:xfrm flipH="1">
-            <a:off x="1502044" y="2235158"/>
+            <a:off x="1622857" y="2405596"/>
             <a:ext cx="211656" cy="247660"/>
           </a:xfrm>
           <a:prstGeom prst="straightConnector1">
@@ -9926,7 +9926,7 @@
         </p:nvCxnSpPr>
         <p:spPr>
           <a:xfrm>
-            <a:off x="1866452" y="2235158"/>
+            <a:off x="1987265" y="2405596"/>
             <a:ext cx="211656" cy="247660"/>
           </a:xfrm>
           <a:prstGeom prst="straightConnector1">
@@ -9969,7 +9969,7 @@
         </p:nvCxnSpPr>
         <p:spPr>
           <a:xfrm flipH="1">
-            <a:off x="1790076" y="2667206"/>
+            <a:off x="1910889" y="2837644"/>
             <a:ext cx="211656" cy="247660"/>
           </a:xfrm>
           <a:prstGeom prst="straightConnector1">
@@ -10012,7 +10012,7 @@
         </p:nvCxnSpPr>
         <p:spPr>
           <a:xfrm>
-            <a:off x="1502044" y="2698842"/>
+            <a:off x="1622857" y="2869280"/>
             <a:ext cx="288032" cy="216024"/>
           </a:xfrm>
           <a:prstGeom prst="straightConnector1">
@@ -10055,7 +10055,7 @@
         </p:nvCxnSpPr>
         <p:spPr>
           <a:xfrm flipH="1">
-            <a:off x="1322632" y="2698842"/>
+            <a:off x="1443445" y="2869280"/>
             <a:ext cx="179412" cy="216024"/>
           </a:xfrm>
           <a:prstGeom prst="straightConnector1">
@@ -10098,7 +10098,7 @@
         </p:nvCxnSpPr>
         <p:spPr>
           <a:xfrm>
-            <a:off x="2154484" y="2667206"/>
+            <a:off x="2275297" y="2837644"/>
             <a:ext cx="221272" cy="264408"/>
           </a:xfrm>
           <a:prstGeom prst="straightConnector1">
@@ -10138,7 +10138,7 @@
         </p:nvSpPr>
         <p:spPr>
           <a:xfrm>
-            <a:off x="2267744" y="2931614"/>
+            <a:off x="2388557" y="3102052"/>
             <a:ext cx="216024" cy="216024"/>
           </a:xfrm>
           <a:prstGeom prst="ellipse">
@@ -10178,7 +10178,7 @@
         </p:nvSpPr>
         <p:spPr>
           <a:xfrm>
-            <a:off x="1808076" y="3346914"/>
+            <a:off x="1928889" y="3517352"/>
             <a:ext cx="216024" cy="216024"/>
           </a:xfrm>
           <a:prstGeom prst="ellipse">
@@ -10221,7 +10221,7 @@
         </p:nvCxnSpPr>
         <p:spPr>
           <a:xfrm>
-            <a:off x="1790076" y="3130890"/>
+            <a:off x="1910889" y="3301328"/>
             <a:ext cx="126012" cy="216024"/>
           </a:xfrm>
           <a:prstGeom prst="straightConnector1">
@@ -10261,7 +10261,7 @@
         </p:nvSpPr>
         <p:spPr>
           <a:xfrm>
-            <a:off x="1286020" y="3868257"/>
+            <a:off x="1406833" y="4038695"/>
             <a:ext cx="216024" cy="216024"/>
           </a:xfrm>
           <a:prstGeom prst="ellipse">
@@ -10301,7 +10301,7 @@
         </p:nvSpPr>
         <p:spPr>
           <a:xfrm>
-            <a:off x="2411760" y="3363662"/>
+            <a:off x="2532573" y="3534100"/>
             <a:ext cx="216024" cy="216024"/>
           </a:xfrm>
           <a:prstGeom prst="ellipse">
@@ -10357,7 +10357,7 @@
         </p:nvCxnSpPr>
         <p:spPr>
           <a:xfrm>
-            <a:off x="2375756" y="3147638"/>
+            <a:off x="2496569" y="3318076"/>
             <a:ext cx="144016" cy="216024"/>
           </a:xfrm>
           <a:prstGeom prst="straightConnector1">
@@ -10400,7 +10400,7 @@
         </p:nvCxnSpPr>
         <p:spPr>
           <a:xfrm flipH="1">
-            <a:off x="1511660" y="3099254"/>
+            <a:off x="1632473" y="3269692"/>
             <a:ext cx="202040" cy="264408"/>
           </a:xfrm>
           <a:prstGeom prst="straightConnector1">
@@ -10440,7 +10440,7 @@
         </p:nvSpPr>
         <p:spPr>
           <a:xfrm>
-            <a:off x="1403648" y="3363662"/>
+            <a:off x="1524461" y="3534100"/>
             <a:ext cx="216024" cy="216024"/>
           </a:xfrm>
           <a:prstGeom prst="ellipse">
@@ -10483,7 +10483,7 @@
         </p:nvCxnSpPr>
         <p:spPr>
           <a:xfrm flipH="1">
-            <a:off x="1394032" y="3579686"/>
+            <a:off x="1514845" y="3750124"/>
             <a:ext cx="117628" cy="288571"/>
           </a:xfrm>
           <a:prstGeom prst="straightConnector1">
@@ -10523,7 +10523,7 @@
         </p:nvSpPr>
         <p:spPr>
           <a:xfrm>
-            <a:off x="1646668" y="3868257"/>
+            <a:off x="1767481" y="4038695"/>
             <a:ext cx="216024" cy="216024"/>
           </a:xfrm>
           <a:prstGeom prst="ellipse">
@@ -10566,7 +10566,7 @@
         </p:nvCxnSpPr>
         <p:spPr>
           <a:xfrm>
-            <a:off x="1511660" y="3579686"/>
+            <a:off x="1632473" y="3750124"/>
             <a:ext cx="243020" cy="288571"/>
           </a:xfrm>
           <a:prstGeom prst="straightConnector1">
@@ -10606,7 +10606,7 @@
         </p:nvSpPr>
         <p:spPr>
           <a:xfrm>
-            <a:off x="1142004" y="4387308"/>
+            <a:off x="1262817" y="4557746"/>
             <a:ext cx="216024" cy="216024"/>
           </a:xfrm>
           <a:prstGeom prst="ellipse">
@@ -10648,7 +10648,7 @@
         </p:nvCxnSpPr>
         <p:spPr>
           <a:xfrm flipH="1">
-            <a:off x="1250016" y="4098737"/>
+            <a:off x="1370829" y="4269175"/>
             <a:ext cx="117628" cy="288571"/>
           </a:xfrm>
           <a:prstGeom prst="straightConnector1">
@@ -10688,7 +10688,7 @@
         </p:nvSpPr>
         <p:spPr>
           <a:xfrm>
-            <a:off x="1502652" y="4387308"/>
+            <a:off x="1623465" y="4557746"/>
             <a:ext cx="216024" cy="216024"/>
           </a:xfrm>
           <a:prstGeom prst="ellipse">
@@ -10731,7 +10731,7 @@
         </p:nvCxnSpPr>
         <p:spPr>
           <a:xfrm>
-            <a:off x="1470408" y="4052645"/>
+            <a:off x="1591221" y="4223083"/>
             <a:ext cx="140256" cy="334663"/>
           </a:xfrm>
           <a:prstGeom prst="straightConnector1">
@@ -10771,7 +10771,7 @@
         </p:nvSpPr>
         <p:spPr>
           <a:xfrm>
-            <a:off x="6642404" y="3973067"/>
+            <a:off x="6763217" y="4143505"/>
             <a:ext cx="216024" cy="216024"/>
           </a:xfrm>
           <a:prstGeom prst="ellipse">
@@ -10813,7 +10813,7 @@
         </p:nvCxnSpPr>
         <p:spPr>
           <a:xfrm flipH="1">
-            <a:off x="6750416" y="3684496"/>
+            <a:off x="6871229" y="3854934"/>
             <a:ext cx="117628" cy="288571"/>
           </a:xfrm>
           <a:prstGeom prst="straightConnector1">
@@ -10853,7 +10853,7 @@
         </p:nvSpPr>
         <p:spPr>
           <a:xfrm>
-            <a:off x="7003052" y="3973067"/>
+            <a:off x="7123865" y="4143505"/>
             <a:ext cx="216024" cy="216024"/>
           </a:xfrm>
           <a:prstGeom prst="ellipse">
@@ -10895,7 +10895,7 @@
         </p:nvCxnSpPr>
         <p:spPr>
           <a:xfrm>
-            <a:off x="6868044" y="3684496"/>
+            <a:off x="6988857" y="3854934"/>
             <a:ext cx="243020" cy="288571"/>
           </a:xfrm>
           <a:prstGeom prst="straightConnector1">
@@ -10935,7 +10935,7 @@
         </p:nvSpPr>
         <p:spPr>
           <a:xfrm>
-            <a:off x="1170829" y="5013176"/>
+            <a:off x="1291642" y="5183614"/>
             <a:ext cx="3900427" cy="261610"/>
           </a:xfrm>
           <a:prstGeom prst="rect">
@@ -10967,7 +10967,7 @@
         </p:nvCxnSpPr>
         <p:spPr>
           <a:xfrm>
-            <a:off x="2519772" y="3579686"/>
+            <a:off x="2640585" y="3750124"/>
             <a:ext cx="284890" cy="1323490"/>
           </a:xfrm>
           <a:prstGeom prst="line">
@@ -11005,7 +11005,7 @@
         </p:nvSpPr>
         <p:spPr>
           <a:xfrm rot="10800000">
-            <a:off x="3131840" y="3045198"/>
+            <a:off x="3252653" y="3215636"/>
             <a:ext cx="1656184" cy="299767"/>
           </a:xfrm>
           <a:prstGeom prst="rightArrow">
@@ -11090,7 +11090,7 @@
         </p:nvSpPr>
         <p:spPr>
           <a:xfrm>
-            <a:off x="5802600" y="2912932"/>
+            <a:off x="6196948" y="2912932"/>
             <a:ext cx="929640" cy="1905000"/>
           </a:xfrm>
           <a:custGeom>
@@ -11284,7 +11284,7 @@
         </p:nvSpPr>
         <p:spPr>
           <a:xfrm>
-            <a:off x="1089660" y="2743200"/>
+            <a:off x="1484008" y="2743200"/>
             <a:ext cx="929640" cy="1905000"/>
           </a:xfrm>
           <a:custGeom>
@@ -11478,7 +11478,7 @@
         </p:nvSpPr>
         <p:spPr>
           <a:xfrm>
-            <a:off x="217212" y="755412"/>
+            <a:off x="611560" y="755412"/>
             <a:ext cx="7507248" cy="369332"/>
           </a:xfrm>
           <a:prstGeom prst="rect">
@@ -11523,7 +11523,7 @@
         </p:blipFill>
         <p:spPr bwMode="auto">
           <a:xfrm>
-            <a:off x="281000" y="1696586"/>
+            <a:off x="675348" y="1696586"/>
             <a:ext cx="636652" cy="636653"/>
           </a:xfrm>
           <a:prstGeom prst="rect">
@@ -11564,7 +11564,7 @@
         </p:blipFill>
         <p:spPr bwMode="auto">
           <a:xfrm>
-            <a:off x="7310508" y="1717017"/>
+            <a:off x="7704856" y="1717017"/>
             <a:ext cx="701296" cy="701296"/>
           </a:xfrm>
           <a:prstGeom prst="rect">
@@ -11590,7 +11590,7 @@
         </p:nvSpPr>
         <p:spPr>
           <a:xfrm>
-            <a:off x="5572700" y="2584190"/>
+            <a:off x="5967048" y="2584190"/>
             <a:ext cx="216024" cy="216024"/>
           </a:xfrm>
           <a:prstGeom prst="ellipse">
@@ -11630,7 +11630,7 @@
         </p:nvSpPr>
         <p:spPr>
           <a:xfrm>
-            <a:off x="5644708" y="2152142"/>
+            <a:off x="6039056" y="2152142"/>
             <a:ext cx="216024" cy="216024"/>
           </a:xfrm>
           <a:prstGeom prst="ellipse">
@@ -11670,7 +11670,7 @@
         </p:nvSpPr>
         <p:spPr>
           <a:xfrm>
-            <a:off x="5932740" y="2584190"/>
+            <a:off x="6327088" y="2584190"/>
             <a:ext cx="216024" cy="216024"/>
           </a:xfrm>
           <a:prstGeom prst="ellipse">
@@ -11710,7 +11710,7 @@
         </p:nvSpPr>
         <p:spPr>
           <a:xfrm>
-            <a:off x="5932740" y="1720094"/>
+            <a:off x="6327088" y="1720094"/>
             <a:ext cx="216024" cy="216024"/>
           </a:xfrm>
           <a:prstGeom prst="ellipse">
@@ -11750,7 +11750,7 @@
         </p:nvSpPr>
         <p:spPr>
           <a:xfrm>
-            <a:off x="6220772" y="2152142"/>
+            <a:off x="6615120" y="2152142"/>
             <a:ext cx="216024" cy="216024"/>
           </a:xfrm>
           <a:prstGeom prst="ellipse">
@@ -11793,7 +11793,7 @@
         </p:nvCxnSpPr>
         <p:spPr>
           <a:xfrm flipH="1">
-            <a:off x="5752720" y="1904482"/>
+            <a:off x="6147068" y="1904482"/>
             <a:ext cx="211656" cy="247660"/>
           </a:xfrm>
           <a:prstGeom prst="straightConnector1">
@@ -11836,7 +11836,7 @@
         </p:nvCxnSpPr>
         <p:spPr>
           <a:xfrm>
-            <a:off x="6117128" y="1904482"/>
+            <a:off x="6511476" y="1904482"/>
             <a:ext cx="211656" cy="247660"/>
           </a:xfrm>
           <a:prstGeom prst="straightConnector1">
@@ -11879,7 +11879,7 @@
         </p:nvCxnSpPr>
         <p:spPr>
           <a:xfrm flipH="1">
-            <a:off x="6040752" y="2336530"/>
+            <a:off x="6435100" y="2336530"/>
             <a:ext cx="211656" cy="247660"/>
           </a:xfrm>
           <a:prstGeom prst="straightConnector1">
@@ -11922,7 +11922,7 @@
         </p:nvCxnSpPr>
         <p:spPr>
           <a:xfrm>
-            <a:off x="5752720" y="2368166"/>
+            <a:off x="6147068" y="2368166"/>
             <a:ext cx="288032" cy="216024"/>
           </a:xfrm>
           <a:prstGeom prst="straightConnector1">
@@ -11965,7 +11965,7 @@
         </p:nvCxnSpPr>
         <p:spPr>
           <a:xfrm flipH="1">
-            <a:off x="5680712" y="2368166"/>
+            <a:off x="6075060" y="2368166"/>
             <a:ext cx="72008" cy="216024"/>
           </a:xfrm>
           <a:prstGeom prst="straightConnector1">
@@ -12008,7 +12008,7 @@
         </p:nvCxnSpPr>
         <p:spPr>
           <a:xfrm>
-            <a:off x="6405160" y="2336530"/>
+            <a:off x="6799508" y="2336530"/>
             <a:ext cx="221272" cy="264408"/>
           </a:xfrm>
           <a:prstGeom prst="straightConnector1">
@@ -12048,7 +12048,7 @@
         </p:nvSpPr>
         <p:spPr>
           <a:xfrm>
-            <a:off x="6518420" y="2600938"/>
+            <a:off x="6912768" y="2600938"/>
             <a:ext cx="216024" cy="216024"/>
           </a:xfrm>
           <a:prstGeom prst="ellipse">
@@ -12088,7 +12088,7 @@
         </p:nvSpPr>
         <p:spPr>
           <a:xfrm>
-            <a:off x="6110456" y="3016238"/>
+            <a:off x="6504804" y="3016238"/>
             <a:ext cx="216024" cy="216024"/>
           </a:xfrm>
           <a:prstGeom prst="ellipse">
@@ -12131,7 +12131,7 @@
         </p:nvCxnSpPr>
         <p:spPr>
           <a:xfrm>
-            <a:off x="6040752" y="2800214"/>
+            <a:off x="6435100" y="2800214"/>
             <a:ext cx="177716" cy="216024"/>
           </a:xfrm>
           <a:prstGeom prst="straightConnector1">
@@ -12171,7 +12171,7 @@
         </p:nvSpPr>
         <p:spPr>
           <a:xfrm>
-            <a:off x="6590428" y="1664834"/>
+            <a:off x="6984776" y="1664834"/>
             <a:ext cx="216024" cy="216024"/>
           </a:xfrm>
           <a:prstGeom prst="ellipse">
@@ -12214,7 +12214,7 @@
         </p:nvCxnSpPr>
         <p:spPr>
           <a:xfrm flipH="1">
-            <a:off x="6405160" y="1849222"/>
+            <a:off x="6799508" y="1849222"/>
             <a:ext cx="216904" cy="334556"/>
           </a:xfrm>
           <a:prstGeom prst="straightConnector1">
@@ -12254,7 +12254,7 @@
         </p:nvSpPr>
         <p:spPr>
           <a:xfrm>
-            <a:off x="1544462" y="1988684"/>
+            <a:off x="1938810" y="1988684"/>
             <a:ext cx="216024" cy="216024"/>
           </a:xfrm>
           <a:prstGeom prst="ellipse">
@@ -12297,7 +12297,7 @@
         </p:nvCxnSpPr>
         <p:spPr>
           <a:xfrm flipH="1">
-            <a:off x="1364442" y="2173072"/>
+            <a:off x="1758790" y="2173072"/>
             <a:ext cx="211656" cy="247660"/>
           </a:xfrm>
           <a:prstGeom prst="straightConnector1">
@@ -12340,7 +12340,7 @@
         </p:nvCxnSpPr>
         <p:spPr>
           <a:xfrm>
-            <a:off x="1728850" y="2173072"/>
+            <a:off x="2123198" y="2173072"/>
             <a:ext cx="221272" cy="264408"/>
           </a:xfrm>
           <a:prstGeom prst="straightConnector1">
@@ -12380,7 +12380,7 @@
         </p:nvSpPr>
         <p:spPr>
           <a:xfrm>
-            <a:off x="1842110" y="2437480"/>
+            <a:off x="2236458" y="2437480"/>
             <a:ext cx="216024" cy="216024"/>
           </a:xfrm>
           <a:prstGeom prst="ellipse">
@@ -12420,7 +12420,7 @@
         </p:nvSpPr>
         <p:spPr>
           <a:xfrm>
-            <a:off x="1382442" y="2852780"/>
+            <a:off x="1776790" y="2852780"/>
             <a:ext cx="216024" cy="216024"/>
           </a:xfrm>
           <a:prstGeom prst="ellipse">
@@ -12463,7 +12463,7 @@
         </p:nvCxnSpPr>
         <p:spPr>
           <a:xfrm>
-            <a:off x="1364442" y="2636756"/>
+            <a:off x="1758790" y="2636756"/>
             <a:ext cx="126012" cy="216024"/>
           </a:xfrm>
           <a:prstGeom prst="straightConnector1">
@@ -12503,7 +12503,7 @@
         </p:nvSpPr>
         <p:spPr>
           <a:xfrm>
-            <a:off x="6662436" y="3032986"/>
+            <a:off x="7056784" y="3032986"/>
             <a:ext cx="216024" cy="216024"/>
           </a:xfrm>
           <a:prstGeom prst="ellipse">
@@ -12546,7 +12546,7 @@
         </p:nvCxnSpPr>
         <p:spPr>
           <a:xfrm>
-            <a:off x="6626432" y="2816962"/>
+            <a:off x="7020780" y="2816962"/>
             <a:ext cx="144016" cy="216024"/>
           </a:xfrm>
           <a:prstGeom prst="straightConnector1">
@@ -12586,7 +12586,7 @@
         </p:nvSpPr>
         <p:spPr>
           <a:xfrm>
-            <a:off x="2007674" y="2836932"/>
+            <a:off x="2402022" y="2836932"/>
             <a:ext cx="216024" cy="216024"/>
           </a:xfrm>
           <a:prstGeom prst="ellipse">
@@ -12641,7 +12641,7 @@
         </p:nvCxnSpPr>
         <p:spPr>
           <a:xfrm>
-            <a:off x="1950122" y="2653504"/>
+            <a:off x="2344470" y="2653504"/>
             <a:ext cx="165564" cy="183428"/>
           </a:xfrm>
           <a:prstGeom prst="straightConnector1">
@@ -12684,7 +12684,7 @@
         </p:nvCxnSpPr>
         <p:spPr>
           <a:xfrm flipH="1">
-            <a:off x="5762336" y="2768578"/>
+            <a:off x="6156684" y="2768578"/>
             <a:ext cx="202040" cy="264408"/>
           </a:xfrm>
           <a:prstGeom prst="straightConnector1">
@@ -12724,7 +12724,7 @@
         </p:nvSpPr>
         <p:spPr>
           <a:xfrm>
-            <a:off x="5654324" y="3032986"/>
+            <a:off x="6048672" y="3032986"/>
             <a:ext cx="216024" cy="216024"/>
           </a:xfrm>
           <a:prstGeom prst="ellipse">
@@ -12764,7 +12764,7 @@
         </p:nvSpPr>
         <p:spPr>
           <a:xfrm>
-            <a:off x="969630" y="2852780"/>
+            <a:off x="1363978" y="2852780"/>
             <a:ext cx="216024" cy="216024"/>
           </a:xfrm>
           <a:prstGeom prst="ellipse">
@@ -12819,7 +12819,7 @@
         </p:nvCxnSpPr>
         <p:spPr>
           <a:xfrm flipH="1">
-            <a:off x="1154018" y="2605120"/>
+            <a:off x="1548366" y="2605120"/>
             <a:ext cx="134048" cy="279296"/>
           </a:xfrm>
           <a:prstGeom prst="straightConnector1">
@@ -12859,7 +12859,7 @@
         </p:nvSpPr>
         <p:spPr>
           <a:xfrm>
-            <a:off x="1256430" y="2420732"/>
+            <a:off x="1650778" y="2420732"/>
             <a:ext cx="216024" cy="216024"/>
           </a:xfrm>
           <a:prstGeom prst="ellipse">
@@ -12899,7 +12899,7 @@
         </p:nvSpPr>
         <p:spPr>
           <a:xfrm>
-            <a:off x="2843808" y="3546875"/>
+            <a:off x="3238156" y="3546875"/>
             <a:ext cx="2088232" cy="299767"/>
           </a:xfrm>
           <a:prstGeom prst="rightArrow">
@@ -12954,7 +12954,7 @@
         </p:nvSpPr>
         <p:spPr>
           <a:xfrm>
-            <a:off x="1327938" y="3789620"/>
+            <a:off x="1722286" y="3789620"/>
             <a:ext cx="216024" cy="216024"/>
           </a:xfrm>
           <a:prstGeom prst="ellipse">
@@ -13005,7 +13005,7 @@
         </p:nvSpPr>
         <p:spPr>
           <a:xfrm>
-            <a:off x="1445566" y="3285025"/>
+            <a:off x="1839914" y="3285025"/>
             <a:ext cx="216024" cy="216024"/>
           </a:xfrm>
           <a:prstGeom prst="ellipse">
@@ -13059,7 +13059,7 @@
         </p:nvCxnSpPr>
         <p:spPr>
           <a:xfrm flipH="1">
-            <a:off x="1435950" y="3501049"/>
+            <a:off x="1830298" y="3501049"/>
             <a:ext cx="117628" cy="288571"/>
           </a:xfrm>
           <a:prstGeom prst="straightConnector1">
@@ -13096,7 +13096,7 @@
         </p:nvSpPr>
         <p:spPr>
           <a:xfrm>
-            <a:off x="1688586" y="3789620"/>
+            <a:off x="2082934" y="3789620"/>
             <a:ext cx="216024" cy="216024"/>
           </a:xfrm>
           <a:prstGeom prst="ellipse">
@@ -13150,7 +13150,7 @@
         </p:nvCxnSpPr>
         <p:spPr>
           <a:xfrm>
-            <a:off x="1553578" y="3501049"/>
+            <a:off x="1947926" y="3501049"/>
             <a:ext cx="243020" cy="288571"/>
           </a:xfrm>
           <a:prstGeom prst="straightConnector1">
@@ -13187,7 +13187,7 @@
         </p:nvSpPr>
         <p:spPr>
           <a:xfrm>
-            <a:off x="1183922" y="4308671"/>
+            <a:off x="1578270" y="4308671"/>
             <a:ext cx="216024" cy="216024"/>
           </a:xfrm>
           <a:prstGeom prst="ellipse">
@@ -13240,7 +13240,7 @@
         </p:nvCxnSpPr>
         <p:spPr>
           <a:xfrm flipH="1">
-            <a:off x="1291934" y="4020100"/>
+            <a:off x="1686282" y="4020100"/>
             <a:ext cx="117628" cy="288571"/>
           </a:xfrm>
           <a:prstGeom prst="straightConnector1">
@@ -13277,7 +13277,7 @@
         </p:nvSpPr>
         <p:spPr>
           <a:xfrm>
-            <a:off x="1544570" y="4308671"/>
+            <a:off x="1938918" y="4308671"/>
             <a:ext cx="216024" cy="216024"/>
           </a:xfrm>
           <a:prstGeom prst="ellipse">
@@ -13331,7 +13331,7 @@
         </p:nvCxnSpPr>
         <p:spPr>
           <a:xfrm>
-            <a:off x="1512326" y="3974008"/>
+            <a:off x="1906674" y="3974008"/>
             <a:ext cx="140256" cy="334663"/>
           </a:xfrm>
           <a:prstGeom prst="straightConnector1">
@@ -13368,7 +13368,7 @@
         </p:nvSpPr>
         <p:spPr>
           <a:xfrm>
-            <a:off x="6076148" y="3948361"/>
+            <a:off x="6470496" y="3948361"/>
             <a:ext cx="216024" cy="216024"/>
           </a:xfrm>
           <a:prstGeom prst="ellipse">
@@ -13419,7 +13419,7 @@
         </p:nvSpPr>
         <p:spPr>
           <a:xfrm>
-            <a:off x="6193776" y="3443766"/>
+            <a:off x="6588124" y="3443766"/>
             <a:ext cx="216024" cy="216024"/>
           </a:xfrm>
           <a:prstGeom prst="ellipse">
@@ -13473,7 +13473,7 @@
         </p:nvCxnSpPr>
         <p:spPr>
           <a:xfrm flipH="1">
-            <a:off x="6184160" y="3659790"/>
+            <a:off x="6578508" y="3659790"/>
             <a:ext cx="117628" cy="288571"/>
           </a:xfrm>
           <a:prstGeom prst="straightConnector1">
@@ -13510,7 +13510,7 @@
         </p:nvSpPr>
         <p:spPr>
           <a:xfrm>
-            <a:off x="6436796" y="3948361"/>
+            <a:off x="6831144" y="3948361"/>
             <a:ext cx="216024" cy="216024"/>
           </a:xfrm>
           <a:prstGeom prst="ellipse">
@@ -13564,7 +13564,7 @@
         </p:nvCxnSpPr>
         <p:spPr>
           <a:xfrm>
-            <a:off x="6301788" y="3659790"/>
+            <a:off x="6696136" y="3659790"/>
             <a:ext cx="243020" cy="288571"/>
           </a:xfrm>
           <a:prstGeom prst="straightConnector1">
@@ -13601,7 +13601,7 @@
         </p:nvSpPr>
         <p:spPr>
           <a:xfrm>
-            <a:off x="5932132" y="4467412"/>
+            <a:off x="6326480" y="4467412"/>
             <a:ext cx="216024" cy="216024"/>
           </a:xfrm>
           <a:prstGeom prst="ellipse">
@@ -13654,7 +13654,7 @@
         </p:nvCxnSpPr>
         <p:spPr>
           <a:xfrm flipH="1">
-            <a:off x="6040144" y="4178841"/>
+            <a:off x="6434492" y="4178841"/>
             <a:ext cx="117628" cy="288571"/>
           </a:xfrm>
           <a:prstGeom prst="straightConnector1">
@@ -13691,7 +13691,7 @@
         </p:nvSpPr>
         <p:spPr>
           <a:xfrm>
-            <a:off x="6292780" y="4467412"/>
+            <a:off x="6687128" y="4467412"/>
             <a:ext cx="216024" cy="216024"/>
           </a:xfrm>
           <a:prstGeom prst="ellipse">
@@ -13745,7 +13745,7 @@
         </p:nvCxnSpPr>
         <p:spPr>
           <a:xfrm>
-            <a:off x="6260536" y="4132749"/>
+            <a:off x="6654884" y="4132749"/>
             <a:ext cx="140256" cy="334663"/>
           </a:xfrm>
           <a:prstGeom prst="straightConnector1">
@@ -13785,7 +13785,7 @@
         </p:nvCxnSpPr>
         <p:spPr>
           <a:xfrm>
-            <a:off x="1490454" y="3068804"/>
+            <a:off x="1884802" y="3068804"/>
             <a:ext cx="63124" cy="216221"/>
           </a:xfrm>
           <a:prstGeom prst="straightConnector1">
@@ -13825,7 +13825,7 @@
         </p:nvCxnSpPr>
         <p:spPr>
           <a:xfrm>
-            <a:off x="6218468" y="3232262"/>
+            <a:off x="6612816" y="3232262"/>
             <a:ext cx="83320" cy="211504"/>
           </a:xfrm>
           <a:prstGeom prst="straightConnector1">
@@ -13862,7 +13862,7 @@
         </p:nvSpPr>
         <p:spPr>
           <a:xfrm>
-            <a:off x="645049" y="5096996"/>
+            <a:off x="1039397" y="5096996"/>
             <a:ext cx="7734810" cy="261610"/>
           </a:xfrm>
           <a:prstGeom prst="rect">

--- a/documents/Liquid.pptx
+++ b/documents/Liquid.pptx
@@ -23502,7 +23502,7 @@
         <p:spPr>
           <a:xfrm>
             <a:off x="611560" y="755412"/>
-            <a:ext cx="4467570" cy="369332"/>
+            <a:ext cx="7001147" cy="923330"/>
           </a:xfrm>
           <a:prstGeom prst="rect">
             <a:avLst/>
@@ -23517,12 +23517,1851 @@
           <a:p>
             <a:r>
               <a:rPr lang="sv-SE" smtClean="0"/>
-              <a:t>Projection means repeated (reactive) infusion</a:t>
+              <a:t>Projection </a:t>
             </a:r>
-            <a:endParaRPr lang="sv-SE"/>
-          </a:p>
-        </p:txBody>
-      </p:sp>
+            <a:r>
+              <a:rPr lang="sv-SE" smtClean="0"/>
+              <a:t>is repeated </a:t>
+            </a:r>
+            <a:r>
+              <a:rPr lang="sv-SE" smtClean="0"/>
+              <a:t>(reactive) </a:t>
+            </a:r>
+            <a:r>
+              <a:rPr lang="sv-SE" smtClean="0"/>
+              <a:t>infusion. </a:t>
+            </a:r>
+            <a:br>
+              <a:rPr lang="sv-SE" smtClean="0"/>
+            </a:br>
+            <a:r>
+              <a:rPr lang="sv-SE" smtClean="0"/>
+              <a:t>Example of flattening a tree structure(pre-order) into a doubly linked list </a:t>
+            </a:r>
+          </a:p>
+          <a:p>
+            <a:r>
+              <a:rPr lang="sv-SE" smtClean="0"/>
+              <a:t>using a projection.</a:t>
+            </a:r>
+            <a:endParaRPr lang="sv-SE"/>
+          </a:p>
+        </p:txBody>
+      </p:sp>
+      <p:sp>
+        <p:nvSpPr>
+          <p:cNvPr id="4" name="Ellips 3"/>
+          <p:cNvSpPr/>
+          <p:nvPr/>
+        </p:nvSpPr>
+        <p:spPr>
+          <a:xfrm>
+            <a:off x="1763688" y="3539520"/>
+            <a:ext cx="216024" cy="216024"/>
+          </a:xfrm>
+          <a:prstGeom prst="ellipse">
+            <a:avLst/>
+          </a:prstGeom>
+        </p:spPr>
+        <p:style>
+          <a:lnRef idx="2">
+            <a:schemeClr val="accent1">
+              <a:shade val="50000"/>
+            </a:schemeClr>
+          </a:lnRef>
+          <a:fillRef idx="1">
+            <a:schemeClr val="accent1"/>
+          </a:fillRef>
+          <a:effectRef idx="0">
+            <a:schemeClr val="accent1"/>
+          </a:effectRef>
+          <a:fontRef idx="minor">
+            <a:schemeClr val="lt1"/>
+          </a:fontRef>
+        </p:style>
+        <p:txBody>
+          <a:bodyPr rtlCol="0" anchor="ctr"/>
+          <a:lstStyle/>
+          <a:p>
+            <a:pPr algn="ctr"/>
+            <a:endParaRPr lang="sv-SE"/>
+          </a:p>
+        </p:txBody>
+      </p:sp>
+      <p:sp>
+        <p:nvSpPr>
+          <p:cNvPr id="6" name="Ellips 5"/>
+          <p:cNvSpPr/>
+          <p:nvPr/>
+        </p:nvSpPr>
+        <p:spPr>
+          <a:xfrm>
+            <a:off x="2003796" y="3971568"/>
+            <a:ext cx="216024" cy="216024"/>
+          </a:xfrm>
+          <a:prstGeom prst="ellipse">
+            <a:avLst/>
+          </a:prstGeom>
+        </p:spPr>
+        <p:style>
+          <a:lnRef idx="2">
+            <a:schemeClr val="accent1">
+              <a:shade val="50000"/>
+            </a:schemeClr>
+          </a:lnRef>
+          <a:fillRef idx="1">
+            <a:schemeClr val="accent1"/>
+          </a:fillRef>
+          <a:effectRef idx="0">
+            <a:schemeClr val="accent1"/>
+          </a:effectRef>
+          <a:fontRef idx="minor">
+            <a:schemeClr val="lt1"/>
+          </a:fontRef>
+        </p:style>
+        <p:txBody>
+          <a:bodyPr rtlCol="0" anchor="ctr"/>
+          <a:lstStyle/>
+          <a:p>
+            <a:pPr algn="ctr"/>
+            <a:endParaRPr lang="sv-SE"/>
+          </a:p>
+        </p:txBody>
+      </p:sp>
+      <p:cxnSp>
+        <p:nvCxnSpPr>
+          <p:cNvPr id="7" name="Rak pil 6"/>
+          <p:cNvCxnSpPr>
+            <a:stCxn id="4" idx="5"/>
+            <a:endCxn id="6" idx="0"/>
+          </p:cNvCxnSpPr>
+          <p:nvPr/>
+        </p:nvCxnSpPr>
+        <p:spPr>
+          <a:xfrm>
+            <a:off x="1948076" y="3723908"/>
+            <a:ext cx="163732" cy="247660"/>
+          </a:xfrm>
+          <a:prstGeom prst="straightConnector1">
+            <a:avLst/>
+          </a:prstGeom>
+          <a:ln>
+            <a:solidFill>
+              <a:schemeClr val="tx1">
+                <a:lumMod val="50000"/>
+                <a:lumOff val="50000"/>
+              </a:schemeClr>
+            </a:solidFill>
+            <a:headEnd type="none" w="med" len="med"/>
+            <a:tailEnd type="triangle" w="med" len="med"/>
+          </a:ln>
+        </p:spPr>
+        <p:style>
+          <a:lnRef idx="1">
+            <a:schemeClr val="accent1"/>
+          </a:lnRef>
+          <a:fillRef idx="0">
+            <a:schemeClr val="accent1"/>
+          </a:fillRef>
+          <a:effectRef idx="0">
+            <a:schemeClr val="accent1"/>
+          </a:effectRef>
+          <a:fontRef idx="minor">
+            <a:schemeClr val="tx1"/>
+          </a:fontRef>
+        </p:style>
+      </p:cxnSp>
+      <p:cxnSp>
+        <p:nvCxnSpPr>
+          <p:cNvPr id="10" name="Rak pil 9"/>
+          <p:cNvCxnSpPr>
+            <a:stCxn id="4" idx="3"/>
+            <a:endCxn id="11" idx="0"/>
+          </p:cNvCxnSpPr>
+          <p:nvPr/>
+        </p:nvCxnSpPr>
+        <p:spPr>
+          <a:xfrm flipH="1">
+            <a:off x="1655676" y="3723908"/>
+            <a:ext cx="139648" cy="264408"/>
+          </a:xfrm>
+          <a:prstGeom prst="straightConnector1">
+            <a:avLst/>
+          </a:prstGeom>
+          <a:ln>
+            <a:solidFill>
+              <a:schemeClr val="tx1">
+                <a:lumMod val="50000"/>
+                <a:lumOff val="50000"/>
+              </a:schemeClr>
+            </a:solidFill>
+            <a:headEnd type="none" w="med" len="med"/>
+            <a:tailEnd type="triangle" w="med" len="med"/>
+          </a:ln>
+        </p:spPr>
+        <p:style>
+          <a:lnRef idx="1">
+            <a:schemeClr val="accent1"/>
+          </a:lnRef>
+          <a:fillRef idx="0">
+            <a:schemeClr val="accent1"/>
+          </a:fillRef>
+          <a:effectRef idx="0">
+            <a:schemeClr val="accent1"/>
+          </a:effectRef>
+          <a:fontRef idx="minor">
+            <a:schemeClr val="tx1"/>
+          </a:fontRef>
+        </p:style>
+      </p:cxnSp>
+      <p:sp>
+        <p:nvSpPr>
+          <p:cNvPr id="11" name="Ellips 10"/>
+          <p:cNvSpPr/>
+          <p:nvPr/>
+        </p:nvSpPr>
+        <p:spPr>
+          <a:xfrm>
+            <a:off x="1547664" y="3988316"/>
+            <a:ext cx="216024" cy="216024"/>
+          </a:xfrm>
+          <a:prstGeom prst="ellipse">
+            <a:avLst/>
+          </a:prstGeom>
+        </p:spPr>
+        <p:style>
+          <a:lnRef idx="2">
+            <a:schemeClr val="accent1">
+              <a:shade val="50000"/>
+            </a:schemeClr>
+          </a:lnRef>
+          <a:fillRef idx="1">
+            <a:schemeClr val="accent1"/>
+          </a:fillRef>
+          <a:effectRef idx="0">
+            <a:schemeClr val="accent1"/>
+          </a:effectRef>
+          <a:fontRef idx="minor">
+            <a:schemeClr val="lt1"/>
+          </a:fontRef>
+        </p:style>
+        <p:txBody>
+          <a:bodyPr rtlCol="0" anchor="ctr"/>
+          <a:lstStyle/>
+          <a:p>
+            <a:pPr algn="ctr"/>
+            <a:endParaRPr lang="sv-SE"/>
+          </a:p>
+        </p:txBody>
+      </p:sp>
+      <p:sp>
+        <p:nvSpPr>
+          <p:cNvPr id="16" name="Ellips 15"/>
+          <p:cNvSpPr/>
+          <p:nvPr/>
+        </p:nvSpPr>
+        <p:spPr>
+          <a:xfrm>
+            <a:off x="2483768" y="4492372"/>
+            <a:ext cx="216024" cy="216024"/>
+          </a:xfrm>
+          <a:prstGeom prst="ellipse">
+            <a:avLst/>
+          </a:prstGeom>
+        </p:spPr>
+        <p:style>
+          <a:lnRef idx="2">
+            <a:schemeClr val="accent1">
+              <a:shade val="50000"/>
+            </a:schemeClr>
+          </a:lnRef>
+          <a:fillRef idx="1">
+            <a:schemeClr val="accent1"/>
+          </a:fillRef>
+          <a:effectRef idx="0">
+            <a:schemeClr val="accent1"/>
+          </a:effectRef>
+          <a:fontRef idx="minor">
+            <a:schemeClr val="lt1"/>
+          </a:fontRef>
+        </p:style>
+        <p:txBody>
+          <a:bodyPr rtlCol="0" anchor="ctr"/>
+          <a:lstStyle/>
+          <a:p>
+            <a:pPr algn="ctr"/>
+            <a:endParaRPr lang="sv-SE"/>
+          </a:p>
+        </p:txBody>
+      </p:sp>
+      <p:cxnSp>
+        <p:nvCxnSpPr>
+          <p:cNvPr id="17" name="Rak pil 16"/>
+          <p:cNvCxnSpPr>
+            <a:stCxn id="6" idx="5"/>
+            <a:endCxn id="16" idx="0"/>
+          </p:cNvCxnSpPr>
+          <p:nvPr/>
+        </p:nvCxnSpPr>
+        <p:spPr>
+          <a:xfrm>
+            <a:off x="2188184" y="4155956"/>
+            <a:ext cx="403596" cy="336416"/>
+          </a:xfrm>
+          <a:prstGeom prst="straightConnector1">
+            <a:avLst/>
+          </a:prstGeom>
+          <a:ln>
+            <a:solidFill>
+              <a:schemeClr val="tx1">
+                <a:lumMod val="50000"/>
+                <a:lumOff val="50000"/>
+              </a:schemeClr>
+            </a:solidFill>
+            <a:headEnd type="none" w="med" len="med"/>
+            <a:tailEnd type="triangle" w="med" len="med"/>
+          </a:ln>
+        </p:spPr>
+        <p:style>
+          <a:lnRef idx="1">
+            <a:schemeClr val="accent1"/>
+          </a:lnRef>
+          <a:fillRef idx="0">
+            <a:schemeClr val="accent1"/>
+          </a:fillRef>
+          <a:effectRef idx="0">
+            <a:schemeClr val="accent1"/>
+          </a:effectRef>
+          <a:fontRef idx="minor">
+            <a:schemeClr val="tx1"/>
+          </a:fontRef>
+        </p:style>
+      </p:cxnSp>
+      <p:cxnSp>
+        <p:nvCxnSpPr>
+          <p:cNvPr id="18" name="Rak pil 17"/>
+          <p:cNvCxnSpPr>
+            <a:stCxn id="6" idx="4"/>
+            <a:endCxn id="19" idx="0"/>
+          </p:cNvCxnSpPr>
+          <p:nvPr/>
+        </p:nvCxnSpPr>
+        <p:spPr>
+          <a:xfrm>
+            <a:off x="2111808" y="4187592"/>
+            <a:ext cx="23840" cy="321528"/>
+          </a:xfrm>
+          <a:prstGeom prst="straightConnector1">
+            <a:avLst/>
+          </a:prstGeom>
+          <a:ln>
+            <a:solidFill>
+              <a:schemeClr val="accent6">
+                <a:lumMod val="75000"/>
+              </a:schemeClr>
+            </a:solidFill>
+            <a:headEnd type="none" w="med" len="med"/>
+            <a:tailEnd type="triangle" w="med" len="med"/>
+          </a:ln>
+        </p:spPr>
+        <p:style>
+          <a:lnRef idx="1">
+            <a:schemeClr val="accent1"/>
+          </a:lnRef>
+          <a:fillRef idx="0">
+            <a:schemeClr val="accent1"/>
+          </a:fillRef>
+          <a:effectRef idx="0">
+            <a:schemeClr val="accent1"/>
+          </a:effectRef>
+          <a:fontRef idx="minor">
+            <a:schemeClr val="tx1"/>
+          </a:fontRef>
+        </p:style>
+      </p:cxnSp>
+      <p:sp>
+        <p:nvSpPr>
+          <p:cNvPr id="19" name="Ellips 18"/>
+          <p:cNvSpPr/>
+          <p:nvPr/>
+        </p:nvSpPr>
+        <p:spPr>
+          <a:xfrm>
+            <a:off x="2027636" y="4509120"/>
+            <a:ext cx="216024" cy="216024"/>
+          </a:xfrm>
+          <a:prstGeom prst="ellipse">
+            <a:avLst/>
+          </a:prstGeom>
+          <a:solidFill>
+            <a:schemeClr val="accent6">
+              <a:lumMod val="60000"/>
+              <a:lumOff val="40000"/>
+            </a:schemeClr>
+          </a:solidFill>
+          <a:ln>
+            <a:solidFill>
+              <a:schemeClr val="accent6">
+                <a:lumMod val="75000"/>
+              </a:schemeClr>
+            </a:solidFill>
+          </a:ln>
+        </p:spPr>
+        <p:style>
+          <a:lnRef idx="2">
+            <a:schemeClr val="accent1">
+              <a:shade val="50000"/>
+            </a:schemeClr>
+          </a:lnRef>
+          <a:fillRef idx="1">
+            <a:schemeClr val="accent1"/>
+          </a:fillRef>
+          <a:effectRef idx="0">
+            <a:schemeClr val="accent1"/>
+          </a:effectRef>
+          <a:fontRef idx="minor">
+            <a:schemeClr val="lt1"/>
+          </a:fontRef>
+        </p:style>
+        <p:txBody>
+          <a:bodyPr rtlCol="0" anchor="ctr"/>
+          <a:lstStyle/>
+          <a:p>
+            <a:pPr algn="ctr"/>
+            <a:endParaRPr lang="sv-SE"/>
+          </a:p>
+        </p:txBody>
+      </p:sp>
+      <p:sp>
+        <p:nvSpPr>
+          <p:cNvPr id="21" name="Ellips 20"/>
+          <p:cNvSpPr/>
+          <p:nvPr/>
+        </p:nvSpPr>
+        <p:spPr>
+          <a:xfrm>
+            <a:off x="1619672" y="4492372"/>
+            <a:ext cx="216024" cy="216024"/>
+          </a:xfrm>
+          <a:prstGeom prst="ellipse">
+            <a:avLst/>
+          </a:prstGeom>
+        </p:spPr>
+        <p:style>
+          <a:lnRef idx="2">
+            <a:schemeClr val="accent1">
+              <a:shade val="50000"/>
+            </a:schemeClr>
+          </a:lnRef>
+          <a:fillRef idx="1">
+            <a:schemeClr val="accent1"/>
+          </a:fillRef>
+          <a:effectRef idx="0">
+            <a:schemeClr val="accent1"/>
+          </a:effectRef>
+          <a:fontRef idx="minor">
+            <a:schemeClr val="lt1"/>
+          </a:fontRef>
+        </p:style>
+        <p:txBody>
+          <a:bodyPr rtlCol="0" anchor="ctr"/>
+          <a:lstStyle/>
+          <a:p>
+            <a:pPr algn="ctr"/>
+            <a:endParaRPr lang="sv-SE"/>
+          </a:p>
+        </p:txBody>
+      </p:sp>
+      <p:cxnSp>
+        <p:nvCxnSpPr>
+          <p:cNvPr id="22" name="Rak pil 21"/>
+          <p:cNvCxnSpPr>
+            <a:stCxn id="11" idx="4"/>
+            <a:endCxn id="21" idx="0"/>
+          </p:cNvCxnSpPr>
+          <p:nvPr/>
+        </p:nvCxnSpPr>
+        <p:spPr>
+          <a:xfrm>
+            <a:off x="1655676" y="4204340"/>
+            <a:ext cx="72008" cy="288032"/>
+          </a:xfrm>
+          <a:prstGeom prst="straightConnector1">
+            <a:avLst/>
+          </a:prstGeom>
+          <a:ln>
+            <a:solidFill>
+              <a:schemeClr val="tx1">
+                <a:lumMod val="50000"/>
+                <a:lumOff val="50000"/>
+              </a:schemeClr>
+            </a:solidFill>
+            <a:headEnd type="none" w="med" len="med"/>
+            <a:tailEnd type="triangle" w="med" len="med"/>
+          </a:ln>
+        </p:spPr>
+        <p:style>
+          <a:lnRef idx="1">
+            <a:schemeClr val="accent1"/>
+          </a:lnRef>
+          <a:fillRef idx="0">
+            <a:schemeClr val="accent1"/>
+          </a:fillRef>
+          <a:effectRef idx="0">
+            <a:schemeClr val="accent1"/>
+          </a:effectRef>
+          <a:fontRef idx="minor">
+            <a:schemeClr val="tx1"/>
+          </a:fontRef>
+        </p:style>
+      </p:cxnSp>
+      <p:cxnSp>
+        <p:nvCxnSpPr>
+          <p:cNvPr id="23" name="Rak pil 22"/>
+          <p:cNvCxnSpPr>
+            <a:stCxn id="11" idx="3"/>
+            <a:endCxn id="24" idx="0"/>
+          </p:cNvCxnSpPr>
+          <p:nvPr/>
+        </p:nvCxnSpPr>
+        <p:spPr>
+          <a:xfrm flipH="1">
+            <a:off x="1271552" y="4172704"/>
+            <a:ext cx="307748" cy="336416"/>
+          </a:xfrm>
+          <a:prstGeom prst="straightConnector1">
+            <a:avLst/>
+          </a:prstGeom>
+          <a:ln>
+            <a:solidFill>
+              <a:schemeClr val="tx1">
+                <a:lumMod val="50000"/>
+                <a:lumOff val="50000"/>
+              </a:schemeClr>
+            </a:solidFill>
+            <a:headEnd type="none" w="med" len="med"/>
+            <a:tailEnd type="triangle" w="med" len="med"/>
+          </a:ln>
+        </p:spPr>
+        <p:style>
+          <a:lnRef idx="1">
+            <a:schemeClr val="accent1"/>
+          </a:lnRef>
+          <a:fillRef idx="0">
+            <a:schemeClr val="accent1"/>
+          </a:fillRef>
+          <a:effectRef idx="0">
+            <a:schemeClr val="accent1"/>
+          </a:effectRef>
+          <a:fontRef idx="minor">
+            <a:schemeClr val="tx1"/>
+          </a:fontRef>
+        </p:style>
+      </p:cxnSp>
+      <p:sp>
+        <p:nvSpPr>
+          <p:cNvPr id="24" name="Ellips 23"/>
+          <p:cNvSpPr/>
+          <p:nvPr/>
+        </p:nvSpPr>
+        <p:spPr>
+          <a:xfrm>
+            <a:off x="1163540" y="4509120"/>
+            <a:ext cx="216024" cy="216024"/>
+          </a:xfrm>
+          <a:prstGeom prst="ellipse">
+            <a:avLst/>
+          </a:prstGeom>
+        </p:spPr>
+        <p:style>
+          <a:lnRef idx="2">
+            <a:schemeClr val="accent1">
+              <a:shade val="50000"/>
+            </a:schemeClr>
+          </a:lnRef>
+          <a:fillRef idx="1">
+            <a:schemeClr val="accent1"/>
+          </a:fillRef>
+          <a:effectRef idx="0">
+            <a:schemeClr val="accent1"/>
+          </a:effectRef>
+          <a:fontRef idx="minor">
+            <a:schemeClr val="lt1"/>
+          </a:fontRef>
+        </p:style>
+        <p:txBody>
+          <a:bodyPr rtlCol="0" anchor="ctr"/>
+          <a:lstStyle/>
+          <a:p>
+            <a:pPr algn="ctr"/>
+            <a:endParaRPr lang="sv-SE"/>
+          </a:p>
+        </p:txBody>
+      </p:sp>
+      <p:sp>
+        <p:nvSpPr>
+          <p:cNvPr id="32" name="Ellips 31"/>
+          <p:cNvSpPr/>
+          <p:nvPr/>
+        </p:nvSpPr>
+        <p:spPr>
+          <a:xfrm>
+            <a:off x="5364088" y="4060324"/>
+            <a:ext cx="216024" cy="216024"/>
+          </a:xfrm>
+          <a:prstGeom prst="ellipse">
+            <a:avLst/>
+          </a:prstGeom>
+        </p:spPr>
+        <p:style>
+          <a:lnRef idx="2">
+            <a:schemeClr val="accent1">
+              <a:shade val="50000"/>
+            </a:schemeClr>
+          </a:lnRef>
+          <a:fillRef idx="1">
+            <a:schemeClr val="accent1"/>
+          </a:fillRef>
+          <a:effectRef idx="0">
+            <a:schemeClr val="accent1"/>
+          </a:effectRef>
+          <a:fontRef idx="minor">
+            <a:schemeClr val="lt1"/>
+          </a:fontRef>
+        </p:style>
+        <p:txBody>
+          <a:bodyPr rtlCol="0" anchor="ctr"/>
+          <a:lstStyle/>
+          <a:p>
+            <a:pPr algn="ctr"/>
+            <a:endParaRPr lang="sv-SE"/>
+          </a:p>
+        </p:txBody>
+      </p:sp>
+      <p:sp>
+        <p:nvSpPr>
+          <p:cNvPr id="33" name="Ellips 32"/>
+          <p:cNvSpPr/>
+          <p:nvPr/>
+        </p:nvSpPr>
+        <p:spPr>
+          <a:xfrm>
+            <a:off x="5833492" y="4079580"/>
+            <a:ext cx="216024" cy="216024"/>
+          </a:xfrm>
+          <a:prstGeom prst="ellipse">
+            <a:avLst/>
+          </a:prstGeom>
+        </p:spPr>
+        <p:style>
+          <a:lnRef idx="2">
+            <a:schemeClr val="accent1">
+              <a:shade val="50000"/>
+            </a:schemeClr>
+          </a:lnRef>
+          <a:fillRef idx="1">
+            <a:schemeClr val="accent1"/>
+          </a:fillRef>
+          <a:effectRef idx="0">
+            <a:schemeClr val="accent1"/>
+          </a:effectRef>
+          <a:fontRef idx="minor">
+            <a:schemeClr val="lt1"/>
+          </a:fontRef>
+        </p:style>
+        <p:txBody>
+          <a:bodyPr rtlCol="0" anchor="ctr"/>
+          <a:lstStyle/>
+          <a:p>
+            <a:pPr algn="ctr"/>
+            <a:endParaRPr lang="sv-SE"/>
+          </a:p>
+        </p:txBody>
+      </p:sp>
+      <p:sp>
+        <p:nvSpPr>
+          <p:cNvPr id="34" name="Ellips 33"/>
+          <p:cNvSpPr/>
+          <p:nvPr/>
+        </p:nvSpPr>
+        <p:spPr>
+          <a:xfrm>
+            <a:off x="6312220" y="4079580"/>
+            <a:ext cx="216024" cy="216024"/>
+          </a:xfrm>
+          <a:prstGeom prst="ellipse">
+            <a:avLst/>
+          </a:prstGeom>
+        </p:spPr>
+        <p:style>
+          <a:lnRef idx="2">
+            <a:schemeClr val="accent1">
+              <a:shade val="50000"/>
+            </a:schemeClr>
+          </a:lnRef>
+          <a:fillRef idx="1">
+            <a:schemeClr val="accent1"/>
+          </a:fillRef>
+          <a:effectRef idx="0">
+            <a:schemeClr val="accent1"/>
+          </a:effectRef>
+          <a:fontRef idx="minor">
+            <a:schemeClr val="lt1"/>
+          </a:fontRef>
+        </p:style>
+        <p:txBody>
+          <a:bodyPr rtlCol="0" anchor="ctr"/>
+          <a:lstStyle/>
+          <a:p>
+            <a:pPr algn="ctr"/>
+            <a:endParaRPr lang="sv-SE"/>
+          </a:p>
+        </p:txBody>
+      </p:sp>
+      <p:sp>
+        <p:nvSpPr>
+          <p:cNvPr id="35" name="Ellips 34"/>
+          <p:cNvSpPr/>
+          <p:nvPr/>
+        </p:nvSpPr>
+        <p:spPr>
+          <a:xfrm>
+            <a:off x="6804248" y="4079580"/>
+            <a:ext cx="216024" cy="216024"/>
+          </a:xfrm>
+          <a:prstGeom prst="ellipse">
+            <a:avLst/>
+          </a:prstGeom>
+        </p:spPr>
+        <p:style>
+          <a:lnRef idx="2">
+            <a:schemeClr val="accent1">
+              <a:shade val="50000"/>
+            </a:schemeClr>
+          </a:lnRef>
+          <a:fillRef idx="1">
+            <a:schemeClr val="accent1"/>
+          </a:fillRef>
+          <a:effectRef idx="0">
+            <a:schemeClr val="accent1"/>
+          </a:effectRef>
+          <a:fontRef idx="minor">
+            <a:schemeClr val="lt1"/>
+          </a:fontRef>
+        </p:style>
+        <p:txBody>
+          <a:bodyPr rtlCol="0" anchor="ctr"/>
+          <a:lstStyle/>
+          <a:p>
+            <a:pPr algn="ctr"/>
+            <a:endParaRPr lang="sv-SE"/>
+          </a:p>
+        </p:txBody>
+      </p:sp>
+      <p:sp>
+        <p:nvSpPr>
+          <p:cNvPr id="36" name="Ellips 35"/>
+          <p:cNvSpPr/>
+          <p:nvPr/>
+        </p:nvSpPr>
+        <p:spPr>
+          <a:xfrm>
+            <a:off x="7308304" y="4079580"/>
+            <a:ext cx="216024" cy="216024"/>
+          </a:xfrm>
+          <a:prstGeom prst="ellipse">
+            <a:avLst/>
+          </a:prstGeom>
+          <a:solidFill>
+            <a:schemeClr val="accent6">
+              <a:lumMod val="60000"/>
+              <a:lumOff val="40000"/>
+            </a:schemeClr>
+          </a:solidFill>
+          <a:ln>
+            <a:solidFill>
+              <a:schemeClr val="accent6">
+                <a:lumMod val="75000"/>
+              </a:schemeClr>
+            </a:solidFill>
+          </a:ln>
+        </p:spPr>
+        <p:style>
+          <a:lnRef idx="2">
+            <a:schemeClr val="accent1">
+              <a:shade val="50000"/>
+            </a:schemeClr>
+          </a:lnRef>
+          <a:fillRef idx="1">
+            <a:schemeClr val="accent1"/>
+          </a:fillRef>
+          <a:effectRef idx="0">
+            <a:schemeClr val="accent1"/>
+          </a:effectRef>
+          <a:fontRef idx="minor">
+            <a:schemeClr val="lt1"/>
+          </a:fontRef>
+        </p:style>
+        <p:txBody>
+          <a:bodyPr rtlCol="0" anchor="ctr"/>
+          <a:lstStyle/>
+          <a:p>
+            <a:pPr algn="ctr"/>
+            <a:endParaRPr lang="sv-SE"/>
+          </a:p>
+        </p:txBody>
+      </p:sp>
+      <p:sp>
+        <p:nvSpPr>
+          <p:cNvPr id="37" name="Ellips 36"/>
+          <p:cNvSpPr/>
+          <p:nvPr/>
+        </p:nvSpPr>
+        <p:spPr>
+          <a:xfrm>
+            <a:off x="7812360" y="4079580"/>
+            <a:ext cx="216024" cy="216024"/>
+          </a:xfrm>
+          <a:prstGeom prst="ellipse">
+            <a:avLst/>
+          </a:prstGeom>
+        </p:spPr>
+        <p:style>
+          <a:lnRef idx="2">
+            <a:schemeClr val="accent1">
+              <a:shade val="50000"/>
+            </a:schemeClr>
+          </a:lnRef>
+          <a:fillRef idx="1">
+            <a:schemeClr val="accent1"/>
+          </a:fillRef>
+          <a:effectRef idx="0">
+            <a:schemeClr val="accent1"/>
+          </a:effectRef>
+          <a:fontRef idx="minor">
+            <a:schemeClr val="lt1"/>
+          </a:fontRef>
+        </p:style>
+        <p:txBody>
+          <a:bodyPr rtlCol="0" anchor="ctr"/>
+          <a:lstStyle/>
+          <a:p>
+            <a:pPr algn="ctr"/>
+            <a:endParaRPr lang="sv-SE"/>
+          </a:p>
+        </p:txBody>
+      </p:sp>
+      <p:sp>
+        <p:nvSpPr>
+          <p:cNvPr id="41" name="Ellips 40"/>
+          <p:cNvSpPr/>
+          <p:nvPr/>
+        </p:nvSpPr>
+        <p:spPr>
+          <a:xfrm>
+            <a:off x="8316416" y="4079580"/>
+            <a:ext cx="216024" cy="216024"/>
+          </a:xfrm>
+          <a:prstGeom prst="ellipse">
+            <a:avLst/>
+          </a:prstGeom>
+        </p:spPr>
+        <p:style>
+          <a:lnRef idx="2">
+            <a:schemeClr val="accent1">
+              <a:shade val="50000"/>
+            </a:schemeClr>
+          </a:lnRef>
+          <a:fillRef idx="1">
+            <a:schemeClr val="accent1"/>
+          </a:fillRef>
+          <a:effectRef idx="0">
+            <a:schemeClr val="accent1"/>
+          </a:effectRef>
+          <a:fontRef idx="minor">
+            <a:schemeClr val="lt1"/>
+          </a:fontRef>
+        </p:style>
+        <p:txBody>
+          <a:bodyPr rtlCol="0" anchor="ctr"/>
+          <a:lstStyle/>
+          <a:p>
+            <a:pPr algn="ctr"/>
+            <a:endParaRPr lang="sv-SE"/>
+          </a:p>
+        </p:txBody>
+      </p:sp>
+      <p:cxnSp>
+        <p:nvCxnSpPr>
+          <p:cNvPr id="42" name="Rak pil 41"/>
+          <p:cNvCxnSpPr>
+            <a:stCxn id="32" idx="7"/>
+            <a:endCxn id="33" idx="1"/>
+          </p:cNvCxnSpPr>
+          <p:nvPr/>
+        </p:nvCxnSpPr>
+        <p:spPr>
+          <a:xfrm>
+            <a:off x="5548476" y="4091960"/>
+            <a:ext cx="316652" cy="19256"/>
+          </a:xfrm>
+          <a:prstGeom prst="straightConnector1">
+            <a:avLst/>
+          </a:prstGeom>
+          <a:ln>
+            <a:solidFill>
+              <a:schemeClr val="tx1">
+                <a:lumMod val="50000"/>
+                <a:lumOff val="50000"/>
+              </a:schemeClr>
+            </a:solidFill>
+            <a:headEnd type="none" w="med" len="med"/>
+            <a:tailEnd type="triangle" w="med" len="med"/>
+          </a:ln>
+        </p:spPr>
+        <p:style>
+          <a:lnRef idx="1">
+            <a:schemeClr val="accent1"/>
+          </a:lnRef>
+          <a:fillRef idx="0">
+            <a:schemeClr val="accent1"/>
+          </a:fillRef>
+          <a:effectRef idx="0">
+            <a:schemeClr val="accent1"/>
+          </a:effectRef>
+          <a:fontRef idx="minor">
+            <a:schemeClr val="tx1"/>
+          </a:fontRef>
+        </p:style>
+      </p:cxnSp>
+      <p:cxnSp>
+        <p:nvCxnSpPr>
+          <p:cNvPr id="45" name="Rak pil 44"/>
+          <p:cNvCxnSpPr>
+            <a:stCxn id="33" idx="7"/>
+            <a:endCxn id="34" idx="1"/>
+          </p:cNvCxnSpPr>
+          <p:nvPr/>
+        </p:nvCxnSpPr>
+        <p:spPr>
+          <a:xfrm>
+            <a:off x="6017880" y="4111216"/>
+            <a:ext cx="325976" cy="0"/>
+          </a:xfrm>
+          <a:prstGeom prst="straightConnector1">
+            <a:avLst/>
+          </a:prstGeom>
+          <a:ln>
+            <a:solidFill>
+              <a:schemeClr val="tx1">
+                <a:lumMod val="50000"/>
+                <a:lumOff val="50000"/>
+              </a:schemeClr>
+            </a:solidFill>
+            <a:headEnd type="none" w="med" len="med"/>
+            <a:tailEnd type="triangle" w="med" len="med"/>
+          </a:ln>
+        </p:spPr>
+        <p:style>
+          <a:lnRef idx="1">
+            <a:schemeClr val="accent1"/>
+          </a:lnRef>
+          <a:fillRef idx="0">
+            <a:schemeClr val="accent1"/>
+          </a:fillRef>
+          <a:effectRef idx="0">
+            <a:schemeClr val="accent1"/>
+          </a:effectRef>
+          <a:fontRef idx="minor">
+            <a:schemeClr val="tx1"/>
+          </a:fontRef>
+        </p:style>
+      </p:cxnSp>
+      <p:cxnSp>
+        <p:nvCxnSpPr>
+          <p:cNvPr id="48" name="Rak pil 47"/>
+          <p:cNvCxnSpPr>
+            <a:stCxn id="34" idx="7"/>
+            <a:endCxn id="35" idx="1"/>
+          </p:cNvCxnSpPr>
+          <p:nvPr/>
+        </p:nvCxnSpPr>
+        <p:spPr>
+          <a:xfrm>
+            <a:off x="6496608" y="4111216"/>
+            <a:ext cx="339276" cy="0"/>
+          </a:xfrm>
+          <a:prstGeom prst="straightConnector1">
+            <a:avLst/>
+          </a:prstGeom>
+          <a:ln>
+            <a:solidFill>
+              <a:schemeClr val="tx1">
+                <a:lumMod val="50000"/>
+                <a:lumOff val="50000"/>
+              </a:schemeClr>
+            </a:solidFill>
+            <a:headEnd type="none" w="med" len="med"/>
+            <a:tailEnd type="triangle" w="med" len="med"/>
+          </a:ln>
+        </p:spPr>
+        <p:style>
+          <a:lnRef idx="1">
+            <a:schemeClr val="accent1"/>
+          </a:lnRef>
+          <a:fillRef idx="0">
+            <a:schemeClr val="accent1"/>
+          </a:fillRef>
+          <a:effectRef idx="0">
+            <a:schemeClr val="accent1"/>
+          </a:effectRef>
+          <a:fontRef idx="minor">
+            <a:schemeClr val="tx1"/>
+          </a:fontRef>
+        </p:style>
+      </p:cxnSp>
+      <p:cxnSp>
+        <p:nvCxnSpPr>
+          <p:cNvPr id="51" name="Rak pil 50"/>
+          <p:cNvCxnSpPr>
+            <a:stCxn id="35" idx="7"/>
+            <a:endCxn id="36" idx="1"/>
+          </p:cNvCxnSpPr>
+          <p:nvPr/>
+        </p:nvCxnSpPr>
+        <p:spPr>
+          <a:xfrm>
+            <a:off x="6988636" y="4111216"/>
+            <a:ext cx="351304" cy="0"/>
+          </a:xfrm>
+          <a:prstGeom prst="straightConnector1">
+            <a:avLst/>
+          </a:prstGeom>
+          <a:ln>
+            <a:solidFill>
+              <a:schemeClr val="accent6">
+                <a:lumMod val="75000"/>
+              </a:schemeClr>
+            </a:solidFill>
+            <a:headEnd type="none" w="med" len="med"/>
+            <a:tailEnd type="triangle" w="med" len="med"/>
+          </a:ln>
+        </p:spPr>
+        <p:style>
+          <a:lnRef idx="1">
+            <a:schemeClr val="accent1"/>
+          </a:lnRef>
+          <a:fillRef idx="0">
+            <a:schemeClr val="accent1"/>
+          </a:fillRef>
+          <a:effectRef idx="0">
+            <a:schemeClr val="accent1"/>
+          </a:effectRef>
+          <a:fontRef idx="minor">
+            <a:schemeClr val="tx1"/>
+          </a:fontRef>
+        </p:style>
+      </p:cxnSp>
+      <p:cxnSp>
+        <p:nvCxnSpPr>
+          <p:cNvPr id="54" name="Rak pil 53"/>
+          <p:cNvCxnSpPr>
+            <a:stCxn id="36" idx="7"/>
+            <a:endCxn id="37" idx="1"/>
+          </p:cNvCxnSpPr>
+          <p:nvPr/>
+        </p:nvCxnSpPr>
+        <p:spPr>
+          <a:xfrm>
+            <a:off x="7492692" y="4111216"/>
+            <a:ext cx="351304" cy="0"/>
+          </a:xfrm>
+          <a:prstGeom prst="straightConnector1">
+            <a:avLst/>
+          </a:prstGeom>
+          <a:ln>
+            <a:solidFill>
+              <a:schemeClr val="accent6">
+                <a:lumMod val="75000"/>
+              </a:schemeClr>
+            </a:solidFill>
+            <a:headEnd type="none" w="med" len="med"/>
+            <a:tailEnd type="triangle" w="med" len="med"/>
+          </a:ln>
+        </p:spPr>
+        <p:style>
+          <a:lnRef idx="1">
+            <a:schemeClr val="accent1"/>
+          </a:lnRef>
+          <a:fillRef idx="0">
+            <a:schemeClr val="accent1"/>
+          </a:fillRef>
+          <a:effectRef idx="0">
+            <a:schemeClr val="accent1"/>
+          </a:effectRef>
+          <a:fontRef idx="minor">
+            <a:schemeClr val="tx1"/>
+          </a:fontRef>
+        </p:style>
+      </p:cxnSp>
+      <p:cxnSp>
+        <p:nvCxnSpPr>
+          <p:cNvPr id="57" name="Rak pil 56"/>
+          <p:cNvCxnSpPr>
+            <a:stCxn id="37" idx="7"/>
+            <a:endCxn id="41" idx="1"/>
+          </p:cNvCxnSpPr>
+          <p:nvPr/>
+        </p:nvCxnSpPr>
+        <p:spPr>
+          <a:xfrm>
+            <a:off x="7996748" y="4111216"/>
+            <a:ext cx="351304" cy="0"/>
+          </a:xfrm>
+          <a:prstGeom prst="straightConnector1">
+            <a:avLst/>
+          </a:prstGeom>
+          <a:ln>
+            <a:solidFill>
+              <a:schemeClr val="tx1">
+                <a:lumMod val="50000"/>
+                <a:lumOff val="50000"/>
+              </a:schemeClr>
+            </a:solidFill>
+            <a:headEnd type="none" w="med" len="med"/>
+            <a:tailEnd type="triangle" w="med" len="med"/>
+          </a:ln>
+        </p:spPr>
+        <p:style>
+          <a:lnRef idx="1">
+            <a:schemeClr val="accent1"/>
+          </a:lnRef>
+          <a:fillRef idx="0">
+            <a:schemeClr val="accent1"/>
+          </a:fillRef>
+          <a:effectRef idx="0">
+            <a:schemeClr val="accent1"/>
+          </a:effectRef>
+          <a:fontRef idx="minor">
+            <a:schemeClr val="tx1"/>
+          </a:fontRef>
+        </p:style>
+      </p:cxnSp>
+      <p:cxnSp>
+        <p:nvCxnSpPr>
+          <p:cNvPr id="61" name="Rak pil 60"/>
+          <p:cNvCxnSpPr>
+            <a:stCxn id="41" idx="3"/>
+            <a:endCxn id="37" idx="5"/>
+          </p:cNvCxnSpPr>
+          <p:nvPr/>
+        </p:nvCxnSpPr>
+        <p:spPr>
+          <a:xfrm flipH="1">
+            <a:off x="7996748" y="4263968"/>
+            <a:ext cx="351304" cy="0"/>
+          </a:xfrm>
+          <a:prstGeom prst="straightConnector1">
+            <a:avLst/>
+          </a:prstGeom>
+          <a:ln>
+            <a:solidFill>
+              <a:schemeClr val="tx1">
+                <a:lumMod val="50000"/>
+                <a:lumOff val="50000"/>
+              </a:schemeClr>
+            </a:solidFill>
+            <a:headEnd type="none" w="med" len="med"/>
+            <a:tailEnd type="triangle" w="med" len="med"/>
+          </a:ln>
+        </p:spPr>
+        <p:style>
+          <a:lnRef idx="1">
+            <a:schemeClr val="accent1"/>
+          </a:lnRef>
+          <a:fillRef idx="0">
+            <a:schemeClr val="accent1"/>
+          </a:fillRef>
+          <a:effectRef idx="0">
+            <a:schemeClr val="accent1"/>
+          </a:effectRef>
+          <a:fontRef idx="minor">
+            <a:schemeClr val="tx1"/>
+          </a:fontRef>
+        </p:style>
+      </p:cxnSp>
+      <p:cxnSp>
+        <p:nvCxnSpPr>
+          <p:cNvPr id="64" name="Rak pil 63"/>
+          <p:cNvCxnSpPr>
+            <a:stCxn id="37" idx="3"/>
+            <a:endCxn id="36" idx="5"/>
+          </p:cNvCxnSpPr>
+          <p:nvPr/>
+        </p:nvCxnSpPr>
+        <p:spPr>
+          <a:xfrm flipH="1">
+            <a:off x="7492692" y="4263968"/>
+            <a:ext cx="351304" cy="0"/>
+          </a:xfrm>
+          <a:prstGeom prst="straightConnector1">
+            <a:avLst/>
+          </a:prstGeom>
+          <a:ln>
+            <a:solidFill>
+              <a:schemeClr val="accent6">
+                <a:lumMod val="75000"/>
+              </a:schemeClr>
+            </a:solidFill>
+            <a:headEnd type="none" w="med" len="med"/>
+            <a:tailEnd type="triangle" w="med" len="med"/>
+          </a:ln>
+        </p:spPr>
+        <p:style>
+          <a:lnRef idx="1">
+            <a:schemeClr val="accent1"/>
+          </a:lnRef>
+          <a:fillRef idx="0">
+            <a:schemeClr val="accent1"/>
+          </a:fillRef>
+          <a:effectRef idx="0">
+            <a:schemeClr val="accent1"/>
+          </a:effectRef>
+          <a:fontRef idx="minor">
+            <a:schemeClr val="tx1"/>
+          </a:fontRef>
+        </p:style>
+      </p:cxnSp>
+      <p:cxnSp>
+        <p:nvCxnSpPr>
+          <p:cNvPr id="67" name="Rak pil 66"/>
+          <p:cNvCxnSpPr>
+            <a:stCxn id="36" idx="3"/>
+            <a:endCxn id="35" idx="5"/>
+          </p:cNvCxnSpPr>
+          <p:nvPr/>
+        </p:nvCxnSpPr>
+        <p:spPr>
+          <a:xfrm flipH="1">
+            <a:off x="6988636" y="4263968"/>
+            <a:ext cx="351304" cy="0"/>
+          </a:xfrm>
+          <a:prstGeom prst="straightConnector1">
+            <a:avLst/>
+          </a:prstGeom>
+          <a:ln>
+            <a:solidFill>
+              <a:schemeClr val="accent6">
+                <a:lumMod val="75000"/>
+              </a:schemeClr>
+            </a:solidFill>
+            <a:headEnd type="none" w="med" len="med"/>
+            <a:tailEnd type="triangle" w="med" len="med"/>
+          </a:ln>
+        </p:spPr>
+        <p:style>
+          <a:lnRef idx="1">
+            <a:schemeClr val="accent1"/>
+          </a:lnRef>
+          <a:fillRef idx="0">
+            <a:schemeClr val="accent1"/>
+          </a:fillRef>
+          <a:effectRef idx="0">
+            <a:schemeClr val="accent1"/>
+          </a:effectRef>
+          <a:fontRef idx="minor">
+            <a:schemeClr val="tx1"/>
+          </a:fontRef>
+        </p:style>
+      </p:cxnSp>
+      <p:cxnSp>
+        <p:nvCxnSpPr>
+          <p:cNvPr id="70" name="Rak pil 69"/>
+          <p:cNvCxnSpPr>
+            <a:stCxn id="35" idx="3"/>
+            <a:endCxn id="34" idx="5"/>
+          </p:cNvCxnSpPr>
+          <p:nvPr/>
+        </p:nvCxnSpPr>
+        <p:spPr>
+          <a:xfrm flipH="1">
+            <a:off x="6496608" y="4263968"/>
+            <a:ext cx="339276" cy="0"/>
+          </a:xfrm>
+          <a:prstGeom prst="straightConnector1">
+            <a:avLst/>
+          </a:prstGeom>
+          <a:ln>
+            <a:solidFill>
+              <a:schemeClr val="tx1">
+                <a:lumMod val="50000"/>
+                <a:lumOff val="50000"/>
+              </a:schemeClr>
+            </a:solidFill>
+            <a:headEnd type="none" w="med" len="med"/>
+            <a:tailEnd type="triangle" w="med" len="med"/>
+          </a:ln>
+        </p:spPr>
+        <p:style>
+          <a:lnRef idx="1">
+            <a:schemeClr val="accent1"/>
+          </a:lnRef>
+          <a:fillRef idx="0">
+            <a:schemeClr val="accent1"/>
+          </a:fillRef>
+          <a:effectRef idx="0">
+            <a:schemeClr val="accent1"/>
+          </a:effectRef>
+          <a:fontRef idx="minor">
+            <a:schemeClr val="tx1"/>
+          </a:fontRef>
+        </p:style>
+      </p:cxnSp>
+      <p:cxnSp>
+        <p:nvCxnSpPr>
+          <p:cNvPr id="73" name="Rak pil 72"/>
+          <p:cNvCxnSpPr>
+            <a:stCxn id="34" idx="3"/>
+            <a:endCxn id="33" idx="5"/>
+          </p:cNvCxnSpPr>
+          <p:nvPr/>
+        </p:nvCxnSpPr>
+        <p:spPr>
+          <a:xfrm flipH="1">
+            <a:off x="6017880" y="4263968"/>
+            <a:ext cx="325976" cy="0"/>
+          </a:xfrm>
+          <a:prstGeom prst="straightConnector1">
+            <a:avLst/>
+          </a:prstGeom>
+          <a:ln>
+            <a:solidFill>
+              <a:schemeClr val="tx1">
+                <a:lumMod val="50000"/>
+                <a:lumOff val="50000"/>
+              </a:schemeClr>
+            </a:solidFill>
+            <a:headEnd type="none" w="med" len="med"/>
+            <a:tailEnd type="triangle" w="med" len="med"/>
+          </a:ln>
+        </p:spPr>
+        <p:style>
+          <a:lnRef idx="1">
+            <a:schemeClr val="accent1"/>
+          </a:lnRef>
+          <a:fillRef idx="0">
+            <a:schemeClr val="accent1"/>
+          </a:fillRef>
+          <a:effectRef idx="0">
+            <a:schemeClr val="accent1"/>
+          </a:effectRef>
+          <a:fontRef idx="minor">
+            <a:schemeClr val="tx1"/>
+          </a:fontRef>
+        </p:style>
+      </p:cxnSp>
+      <p:cxnSp>
+        <p:nvCxnSpPr>
+          <p:cNvPr id="76" name="Rak pil 75"/>
+          <p:cNvCxnSpPr>
+            <a:stCxn id="33" idx="3"/>
+            <a:endCxn id="32" idx="5"/>
+          </p:cNvCxnSpPr>
+          <p:nvPr/>
+        </p:nvCxnSpPr>
+        <p:spPr>
+          <a:xfrm flipH="1" flipV="1">
+            <a:off x="5548476" y="4244712"/>
+            <a:ext cx="316652" cy="19256"/>
+          </a:xfrm>
+          <a:prstGeom prst="straightConnector1">
+            <a:avLst/>
+          </a:prstGeom>
+          <a:ln>
+            <a:solidFill>
+              <a:schemeClr val="tx1">
+                <a:lumMod val="50000"/>
+                <a:lumOff val="50000"/>
+              </a:schemeClr>
+            </a:solidFill>
+            <a:headEnd type="none" w="med" len="med"/>
+            <a:tailEnd type="triangle" w="med" len="med"/>
+          </a:ln>
+        </p:spPr>
+        <p:style>
+          <a:lnRef idx="1">
+            <a:schemeClr val="accent1"/>
+          </a:lnRef>
+          <a:fillRef idx="0">
+            <a:schemeClr val="accent1"/>
+          </a:fillRef>
+          <a:effectRef idx="0">
+            <a:schemeClr val="accent1"/>
+          </a:effectRef>
+          <a:fontRef idx="minor">
+            <a:schemeClr val="tx1"/>
+          </a:fontRef>
+        </p:style>
+      </p:cxnSp>
+      <p:sp>
+        <p:nvSpPr>
+          <p:cNvPr id="79" name="Höger 78"/>
+          <p:cNvSpPr/>
+          <p:nvPr/>
+        </p:nvSpPr>
+        <p:spPr>
+          <a:xfrm>
+            <a:off x="3298716" y="4096328"/>
+            <a:ext cx="1417300" cy="299767"/>
+          </a:xfrm>
+          <a:prstGeom prst="rightArrow">
+            <a:avLst>
+              <a:gd name="adj1" fmla="val 50000"/>
+              <a:gd name="adj2" fmla="val 70336"/>
+            </a:avLst>
+          </a:prstGeom>
+          <a:solidFill>
+            <a:schemeClr val="bg1">
+              <a:lumMod val="85000"/>
+            </a:schemeClr>
+          </a:solidFill>
+          <a:ln w="12700">
+            <a:solidFill>
+              <a:schemeClr val="bg1">
+                <a:lumMod val="65000"/>
+              </a:schemeClr>
+            </a:solidFill>
+          </a:ln>
+        </p:spPr>
+        <p:style>
+          <a:lnRef idx="2">
+            <a:schemeClr val="accent1">
+              <a:shade val="50000"/>
+            </a:schemeClr>
+          </a:lnRef>
+          <a:fillRef idx="1">
+            <a:schemeClr val="accent1"/>
+          </a:fillRef>
+          <a:effectRef idx="0">
+            <a:schemeClr val="accent1"/>
+          </a:effectRef>
+          <a:fontRef idx="minor">
+            <a:schemeClr val="lt1"/>
+          </a:fontRef>
+        </p:style>
+        <p:txBody>
+          <a:bodyPr rtlCol="0" anchor="ctr"/>
+          <a:lstStyle/>
+          <a:p>
+            <a:pPr algn="ctr"/>
+            <a:endParaRPr lang="sv-SE"/>
+          </a:p>
+        </p:txBody>
+      </p:sp>
+      <p:sp>
+        <p:nvSpPr>
+          <p:cNvPr id="80" name="textruta 79"/>
+          <p:cNvSpPr txBox="1"/>
+          <p:nvPr/>
+        </p:nvSpPr>
+        <p:spPr>
+          <a:xfrm>
+            <a:off x="2819116" y="5157192"/>
+            <a:ext cx="2652984" cy="600164"/>
+          </a:xfrm>
+          <a:prstGeom prst="rect">
+            <a:avLst/>
+          </a:prstGeom>
+          <a:noFill/>
+        </p:spPr>
+        <p:txBody>
+          <a:bodyPr wrap="square" rtlCol="0">
+            <a:spAutoFit/>
+          </a:bodyPr>
+          <a:lstStyle/>
+          <a:p>
+            <a:r>
+              <a:rPr lang="sv-SE" sz="1100" smtClean="0"/>
+              <a:t>A small change in the original tree structure, will give cause to a small change in the projection structure. </a:t>
+            </a:r>
+            <a:endParaRPr lang="sv-SE" sz="1100"/>
+          </a:p>
+        </p:txBody>
+      </p:sp>
+      <p:cxnSp>
+        <p:nvCxnSpPr>
+          <p:cNvPr id="81" name="Rak 80"/>
+          <p:cNvCxnSpPr>
+            <a:stCxn id="36" idx="4"/>
+            <a:endCxn id="80" idx="3"/>
+          </p:cNvCxnSpPr>
+          <p:nvPr/>
+        </p:nvCxnSpPr>
+        <p:spPr>
+          <a:xfrm flipH="1">
+            <a:off x="5472100" y="4295604"/>
+            <a:ext cx="1944216" cy="1161670"/>
+          </a:xfrm>
+          <a:prstGeom prst="line">
+            <a:avLst/>
+          </a:prstGeom>
+        </p:spPr>
+        <p:style>
+          <a:lnRef idx="1">
+            <a:schemeClr val="accent1"/>
+          </a:lnRef>
+          <a:fillRef idx="0">
+            <a:schemeClr val="accent1"/>
+          </a:fillRef>
+          <a:effectRef idx="0">
+            <a:schemeClr val="accent1"/>
+          </a:effectRef>
+          <a:fontRef idx="minor">
+            <a:schemeClr val="tx1"/>
+          </a:fontRef>
+        </p:style>
+      </p:cxnSp>
+      <p:cxnSp>
+        <p:nvCxnSpPr>
+          <p:cNvPr id="85" name="Rak 84"/>
+          <p:cNvCxnSpPr>
+            <a:endCxn id="80" idx="1"/>
+          </p:cNvCxnSpPr>
+          <p:nvPr/>
+        </p:nvCxnSpPr>
+        <p:spPr>
+          <a:xfrm>
+            <a:off x="2111808" y="4797152"/>
+            <a:ext cx="707308" cy="660122"/>
+          </a:xfrm>
+          <a:prstGeom prst="line">
+            <a:avLst/>
+          </a:prstGeom>
+        </p:spPr>
+        <p:style>
+          <a:lnRef idx="1">
+            <a:schemeClr val="accent1"/>
+          </a:lnRef>
+          <a:fillRef idx="0">
+            <a:schemeClr val="accent1"/>
+          </a:fillRef>
+          <a:effectRef idx="0">
+            <a:schemeClr val="accent1"/>
+          </a:effectRef>
+          <a:fontRef idx="minor">
+            <a:schemeClr val="tx1"/>
+          </a:fontRef>
+        </p:style>
+      </p:cxnSp>
+      <p:sp>
+        <p:nvSpPr>
+          <p:cNvPr id="88" name="textruta 87"/>
+          <p:cNvSpPr txBox="1"/>
+          <p:nvPr/>
+        </p:nvSpPr>
+        <p:spPr>
+          <a:xfrm>
+            <a:off x="3496860" y="1633789"/>
+            <a:ext cx="3169386" cy="2031325"/>
+          </a:xfrm>
+          <a:prstGeom prst="rect">
+            <a:avLst/>
+          </a:prstGeom>
+          <a:solidFill>
+            <a:schemeClr val="bg1">
+              <a:lumMod val="95000"/>
+            </a:schemeClr>
+          </a:solidFill>
+          <a:ln>
+            <a:solidFill>
+              <a:schemeClr val="bg1">
+                <a:lumMod val="65000"/>
+              </a:schemeClr>
+            </a:solidFill>
+          </a:ln>
+        </p:spPr>
+        <p:txBody>
+          <a:bodyPr wrap="square" rtlCol="0">
+            <a:spAutoFit/>
+          </a:bodyPr>
+          <a:lstStyle/>
+          <a:p>
+            <a:r>
+              <a:rPr lang="sv-SE" sz="900" smtClean="0"/>
+              <a:t>addMethod(’f</a:t>
+            </a:r>
+            <a:r>
+              <a:rPr lang="sv-SE" sz="900" smtClean="0"/>
+              <a:t>latten’, function() {</a:t>
+            </a:r>
+          </a:p>
+          <a:p>
+            <a:r>
+              <a:rPr lang="sv-SE" sz="900" smtClean="0"/>
+              <a:t>    var node = create(’FlattenedNode’, {data: this.getData()})</a:t>
+            </a:r>
+          </a:p>
+          <a:p>
+            <a:r>
+              <a:rPr lang="sv-SE" sz="900" smtClean="0"/>
+              <a:t>    var lastNode = null;</a:t>
+            </a:r>
+          </a:p>
+          <a:p>
+            <a:r>
+              <a:rPr lang="sv-SE" sz="900"/>
+              <a:t> </a:t>
+            </a:r>
+            <a:r>
+              <a:rPr lang="sv-SE" sz="900" smtClean="0"/>
+              <a:t>   this.getChildren().forEach(function(child) {</a:t>
+            </a:r>
+          </a:p>
+          <a:p>
+            <a:r>
+              <a:rPr lang="sv-SE" sz="900"/>
+              <a:t> </a:t>
+            </a:r>
+            <a:r>
+              <a:rPr lang="sv-SE" sz="900" smtClean="0"/>
+              <a:t>       var flattenedChild = child.flatten();</a:t>
+            </a:r>
+          </a:p>
+          <a:p>
+            <a:r>
+              <a:rPr lang="sv-SE" sz="900" smtClean="0"/>
+              <a:t>        if (lastNode !== null) { </a:t>
+            </a:r>
+          </a:p>
+          <a:p>
+            <a:r>
+              <a:rPr lang="sv-SE" sz="900"/>
+              <a:t> </a:t>
+            </a:r>
+            <a:r>
+              <a:rPr lang="sv-SE" sz="900" smtClean="0"/>
+              <a:t>           lastNode.setNextNode(flattenedChild[0]);</a:t>
+            </a:r>
+          </a:p>
+          <a:p>
+            <a:r>
+              <a:rPr lang="sv-SE" sz="900"/>
+              <a:t> </a:t>
+            </a:r>
+            <a:r>
+              <a:rPr lang="sv-SE" sz="900" smtClean="0"/>
+              <a:t>           flattenedChild[0].setPreviousNode(lastNode); </a:t>
+            </a:r>
+          </a:p>
+          <a:p>
+            <a:r>
+              <a:rPr lang="sv-SE" sz="900"/>
+              <a:t> </a:t>
+            </a:r>
+            <a:r>
+              <a:rPr lang="sv-SE" sz="900" smtClean="0"/>
+              <a:t>       }</a:t>
+            </a:r>
+            <a:br>
+              <a:rPr lang="sv-SE" sz="900" smtClean="0"/>
+            </a:br>
+            <a:r>
+              <a:rPr lang="sv-SE" sz="900" smtClean="0"/>
+              <a:t>        lastNode = flattenedChild[1];</a:t>
+            </a:r>
+          </a:p>
+          <a:p>
+            <a:r>
+              <a:rPr lang="sv-SE" sz="900"/>
+              <a:t> </a:t>
+            </a:r>
+            <a:r>
+              <a:rPr lang="sv-SE" sz="900" smtClean="0"/>
+              <a:t>   });</a:t>
+            </a:r>
+          </a:p>
+          <a:p>
+            <a:r>
+              <a:rPr lang="sv-SE" sz="900"/>
+              <a:t> </a:t>
+            </a:r>
+            <a:r>
+              <a:rPr lang="sv-SE" sz="900" smtClean="0"/>
+              <a:t>   if (lastNode === null) { lastNode = node; }</a:t>
+            </a:r>
+          </a:p>
+          <a:p>
+            <a:r>
+              <a:rPr lang="sv-SE" sz="900"/>
+              <a:t> </a:t>
+            </a:r>
+            <a:r>
+              <a:rPr lang="sv-SE" sz="900" smtClean="0"/>
+              <a:t>   return [node, latstNode];</a:t>
+            </a:r>
+            <a:endParaRPr lang="sv-SE" sz="900"/>
+          </a:p>
+          <a:p>
+            <a:r>
+              <a:rPr lang="sv-SE" sz="900" smtClean="0"/>
+              <a:t>});  </a:t>
+            </a:r>
+            <a:endParaRPr lang="sv-SE" sz="900"/>
+          </a:p>
+        </p:txBody>
+      </p:sp>
+      <p:sp>
+        <p:nvSpPr>
+          <p:cNvPr id="89" name="textruta 88"/>
+          <p:cNvSpPr txBox="1"/>
+          <p:nvPr/>
+        </p:nvSpPr>
+        <p:spPr>
+          <a:xfrm>
+            <a:off x="221172" y="2094240"/>
+            <a:ext cx="2244290" cy="769441"/>
+          </a:xfrm>
+          <a:prstGeom prst="rect">
+            <a:avLst/>
+          </a:prstGeom>
+          <a:noFill/>
+        </p:spPr>
+        <p:txBody>
+          <a:bodyPr wrap="square" rtlCol="0">
+            <a:spAutoFit/>
+          </a:bodyPr>
+          <a:lstStyle/>
+          <a:p>
+            <a:r>
+              <a:rPr lang="sv-SE" sz="1100" smtClean="0"/>
+              <a:t>All code necessary (14 lines of code) for this setup. A recursive function that creates nodes and links them together, and a call to project.</a:t>
+            </a:r>
+            <a:endParaRPr lang="sv-SE" sz="1100"/>
+          </a:p>
+        </p:txBody>
+      </p:sp>
+      <p:cxnSp>
+        <p:nvCxnSpPr>
+          <p:cNvPr id="90" name="Rak 89"/>
+          <p:cNvCxnSpPr>
+            <a:stCxn id="88" idx="1"/>
+            <a:endCxn id="89" idx="3"/>
+          </p:cNvCxnSpPr>
+          <p:nvPr/>
+        </p:nvCxnSpPr>
+        <p:spPr>
+          <a:xfrm flipH="1" flipV="1">
+            <a:off x="2465462" y="2478961"/>
+            <a:ext cx="1031398" cy="170491"/>
+          </a:xfrm>
+          <a:prstGeom prst="line">
+            <a:avLst/>
+          </a:prstGeom>
+        </p:spPr>
+        <p:style>
+          <a:lnRef idx="1">
+            <a:schemeClr val="accent1"/>
+          </a:lnRef>
+          <a:fillRef idx="0">
+            <a:schemeClr val="accent1"/>
+          </a:fillRef>
+          <a:effectRef idx="0">
+            <a:schemeClr val="accent1"/>
+          </a:effectRef>
+          <a:fontRef idx="minor">
+            <a:schemeClr val="tx1"/>
+          </a:fontRef>
+        </p:style>
+      </p:cxnSp>
+      <p:sp>
+        <p:nvSpPr>
+          <p:cNvPr id="97" name="textruta 96"/>
+          <p:cNvSpPr txBox="1"/>
+          <p:nvPr/>
+        </p:nvSpPr>
+        <p:spPr>
+          <a:xfrm>
+            <a:off x="118282" y="3063917"/>
+            <a:ext cx="2797534" cy="230832"/>
+          </a:xfrm>
+          <a:prstGeom prst="rect">
+            <a:avLst/>
+          </a:prstGeom>
+          <a:solidFill>
+            <a:schemeClr val="bg1">
+              <a:lumMod val="95000"/>
+            </a:schemeClr>
+          </a:solidFill>
+          <a:ln>
+            <a:solidFill>
+              <a:schemeClr val="bg1">
+                <a:lumMod val="65000"/>
+              </a:schemeClr>
+            </a:solidFill>
+          </a:ln>
+        </p:spPr>
+        <p:txBody>
+          <a:bodyPr wrap="square" rtlCol="0">
+            <a:spAutoFit/>
+          </a:bodyPr>
+          <a:lstStyle/>
+          <a:p>
+            <a:r>
+              <a:rPr lang="sv-SE" sz="900" smtClean="0"/>
+              <a:t>var linkedList = tree.</a:t>
+            </a:r>
+            <a:r>
+              <a:rPr lang="sv-SE" sz="900" b="1" smtClean="0">
+                <a:solidFill>
+                  <a:schemeClr val="tx2">
+                    <a:lumMod val="60000"/>
+                    <a:lumOff val="40000"/>
+                  </a:schemeClr>
+                </a:solidFill>
+              </a:rPr>
+              <a:t>project</a:t>
+            </a:r>
+            <a:r>
+              <a:rPr lang="sv-SE" sz="900" smtClean="0"/>
+              <a:t>(’flatten’)[0];</a:t>
+            </a:r>
+            <a:endParaRPr lang="sv-SE" sz="900"/>
+          </a:p>
+        </p:txBody>
+      </p:sp>
+      <p:cxnSp>
+        <p:nvCxnSpPr>
+          <p:cNvPr id="98" name="Rak 97"/>
+          <p:cNvCxnSpPr>
+            <a:stCxn id="97" idx="0"/>
+            <a:endCxn id="89" idx="2"/>
+          </p:cNvCxnSpPr>
+          <p:nvPr/>
+        </p:nvCxnSpPr>
+        <p:spPr>
+          <a:xfrm flipH="1" flipV="1">
+            <a:off x="1343317" y="2863681"/>
+            <a:ext cx="173732" cy="200236"/>
+          </a:xfrm>
+          <a:prstGeom prst="line">
+            <a:avLst/>
+          </a:prstGeom>
+        </p:spPr>
+        <p:style>
+          <a:lnRef idx="1">
+            <a:schemeClr val="accent1"/>
+          </a:lnRef>
+          <a:fillRef idx="0">
+            <a:schemeClr val="accent1"/>
+          </a:fillRef>
+          <a:effectRef idx="0">
+            <a:schemeClr val="accent1"/>
+          </a:effectRef>
+          <a:fontRef idx="minor">
+            <a:schemeClr val="tx1"/>
+          </a:fontRef>
+        </p:style>
+      </p:cxnSp>
     </p:spTree>
     <p:extLst>
       <p:ext uri="{BB962C8B-B14F-4D97-AF65-F5344CB8AC3E}">

--- a/documents/Liquid.pptx
+++ b/documents/Liquid.pptx
@@ -14,6 +14,7 @@
     <p:sldId id="261" r:id="rId8"/>
     <p:sldId id="262" r:id="rId9"/>
     <p:sldId id="264" r:id="rId10"/>
+    <p:sldId id="265" r:id="rId11"/>
   </p:sldIdLst>
   <p:sldSz cx="9144000" cy="6858000" type="screen4x3"/>
   <p:notesSz cx="6858000" cy="9144000"/>
@@ -296,7 +297,7 @@
           <a:p>
             <a:fld id="{82A9C3FC-258C-4BC8-B7E3-AFE3A1693D2A}" type="datetimeFigureOut">
               <a:rPr lang="sv-SE" smtClean="0"/>
-              <a:t>2016-10-21</a:t>
+              <a:t>2016-12-14</a:t>
             </a:fld>
             <a:endParaRPr lang="sv-SE"/>
           </a:p>
@@ -466,7 +467,7 @@
           <a:p>
             <a:fld id="{82A9C3FC-258C-4BC8-B7E3-AFE3A1693D2A}" type="datetimeFigureOut">
               <a:rPr lang="sv-SE" smtClean="0"/>
-              <a:t>2016-10-21</a:t>
+              <a:t>2016-12-14</a:t>
             </a:fld>
             <a:endParaRPr lang="sv-SE"/>
           </a:p>
@@ -646,7 +647,7 @@
           <a:p>
             <a:fld id="{82A9C3FC-258C-4BC8-B7E3-AFE3A1693D2A}" type="datetimeFigureOut">
               <a:rPr lang="sv-SE" smtClean="0"/>
-              <a:t>2016-10-21</a:t>
+              <a:t>2016-12-14</a:t>
             </a:fld>
             <a:endParaRPr lang="sv-SE"/>
           </a:p>
@@ -816,7 +817,7 @@
           <a:p>
             <a:fld id="{82A9C3FC-258C-4BC8-B7E3-AFE3A1693D2A}" type="datetimeFigureOut">
               <a:rPr lang="sv-SE" smtClean="0"/>
-              <a:t>2016-10-21</a:t>
+              <a:t>2016-12-14</a:t>
             </a:fld>
             <a:endParaRPr lang="sv-SE"/>
           </a:p>
@@ -1062,7 +1063,7 @@
           <a:p>
             <a:fld id="{82A9C3FC-258C-4BC8-B7E3-AFE3A1693D2A}" type="datetimeFigureOut">
               <a:rPr lang="sv-SE" smtClean="0"/>
-              <a:t>2016-10-21</a:t>
+              <a:t>2016-12-14</a:t>
             </a:fld>
             <a:endParaRPr lang="sv-SE"/>
           </a:p>
@@ -1350,7 +1351,7 @@
           <a:p>
             <a:fld id="{82A9C3FC-258C-4BC8-B7E3-AFE3A1693D2A}" type="datetimeFigureOut">
               <a:rPr lang="sv-SE" smtClean="0"/>
-              <a:t>2016-10-21</a:t>
+              <a:t>2016-12-14</a:t>
             </a:fld>
             <a:endParaRPr lang="sv-SE"/>
           </a:p>
@@ -1772,7 +1773,7 @@
           <a:p>
             <a:fld id="{82A9C3FC-258C-4BC8-B7E3-AFE3A1693D2A}" type="datetimeFigureOut">
               <a:rPr lang="sv-SE" smtClean="0"/>
-              <a:t>2016-10-21</a:t>
+              <a:t>2016-12-14</a:t>
             </a:fld>
             <a:endParaRPr lang="sv-SE"/>
           </a:p>
@@ -1890,7 +1891,7 @@
           <a:p>
             <a:fld id="{82A9C3FC-258C-4BC8-B7E3-AFE3A1693D2A}" type="datetimeFigureOut">
               <a:rPr lang="sv-SE" smtClean="0"/>
-              <a:t>2016-10-21</a:t>
+              <a:t>2016-12-14</a:t>
             </a:fld>
             <a:endParaRPr lang="sv-SE"/>
           </a:p>
@@ -1985,7 +1986,7 @@
           <a:p>
             <a:fld id="{82A9C3FC-258C-4BC8-B7E3-AFE3A1693D2A}" type="datetimeFigureOut">
               <a:rPr lang="sv-SE" smtClean="0"/>
-              <a:t>2016-10-21</a:t>
+              <a:t>2016-12-14</a:t>
             </a:fld>
             <a:endParaRPr lang="sv-SE"/>
           </a:p>
@@ -2262,7 +2263,7 @@
           <a:p>
             <a:fld id="{82A9C3FC-258C-4BC8-B7E3-AFE3A1693D2A}" type="datetimeFigureOut">
               <a:rPr lang="sv-SE" smtClean="0"/>
-              <a:t>2016-10-21</a:t>
+              <a:t>2016-12-14</a:t>
             </a:fld>
             <a:endParaRPr lang="sv-SE"/>
           </a:p>
@@ -2515,7 +2516,7 @@
           <a:p>
             <a:fld id="{82A9C3FC-258C-4BC8-B7E3-AFE3A1693D2A}" type="datetimeFigureOut">
               <a:rPr lang="sv-SE" smtClean="0"/>
-              <a:t>2016-10-21</a:t>
+              <a:t>2016-12-14</a:t>
             </a:fld>
             <a:endParaRPr lang="sv-SE"/>
           </a:p>
@@ -2728,7 +2729,7 @@
           <a:p>
             <a:fld id="{82A9C3FC-258C-4BC8-B7E3-AFE3A1693D2A}" type="datetimeFigureOut">
               <a:rPr lang="sv-SE" smtClean="0"/>
-              <a:t>2016-10-21</a:t>
+              <a:t>2016-12-14</a:t>
             </a:fld>
             <a:endParaRPr lang="sv-SE"/>
           </a:p>
@@ -3187,6 +3188,1930 @@
 </p:sld>
 </file>
 
+<file path=ppt/slides/slide10.xml><?xml version="1.0" encoding="utf-8"?>
+<p:sld xmlns:a="http://schemas.openxmlformats.org/drawingml/2006/main" xmlns:r="http://schemas.openxmlformats.org/officeDocument/2006/relationships" xmlns:p="http://schemas.openxmlformats.org/presentationml/2006/main">
+  <p:cSld>
+    <p:spTree>
+      <p:nvGrpSpPr>
+        <p:cNvPr id="1" name=""/>
+        <p:cNvGrpSpPr/>
+        <p:nvPr/>
+      </p:nvGrpSpPr>
+      <p:grpSpPr>
+        <a:xfrm>
+          <a:off x="0" y="0"/>
+          <a:ext cx="0" cy="0"/>
+          <a:chOff x="0" y="0"/>
+          <a:chExt cx="0" cy="0"/>
+        </a:xfrm>
+      </p:grpSpPr>
+      <p:sp>
+        <p:nvSpPr>
+          <p:cNvPr id="38" name="textruta 37"/>
+          <p:cNvSpPr txBox="1"/>
+          <p:nvPr/>
+        </p:nvSpPr>
+        <p:spPr>
+          <a:xfrm>
+            <a:off x="611561" y="755412"/>
+            <a:ext cx="7812868" cy="923330"/>
+          </a:xfrm>
+          <a:prstGeom prst="rect">
+            <a:avLst/>
+          </a:prstGeom>
+          <a:noFill/>
+        </p:spPr>
+        <p:txBody>
+          <a:bodyPr wrap="square" rtlCol="0">
+            <a:spAutoFit/>
+          </a:bodyPr>
+          <a:lstStyle/>
+          <a:p>
+            <a:r>
+              <a:rPr lang="sv-SE" b="1" smtClean="0"/>
+              <a:t>reCached</a:t>
+            </a:r>
+            <a:r>
+              <a:rPr lang="sv-SE" smtClean="0"/>
+              <a:t> will reuse established object identities and create a minimal change in the resulting data structure. Example </a:t>
+            </a:r>
+            <a:r>
+              <a:rPr lang="sv-SE" smtClean="0"/>
+              <a:t>of flattening a tree structure(pre-order) into a doubly linked </a:t>
+            </a:r>
+            <a:r>
+              <a:rPr lang="sv-SE" smtClean="0"/>
+              <a:t>list.</a:t>
+            </a:r>
+            <a:endParaRPr lang="sv-SE"/>
+          </a:p>
+        </p:txBody>
+      </p:sp>
+      <p:sp>
+        <p:nvSpPr>
+          <p:cNvPr id="4" name="Ellips 3"/>
+          <p:cNvSpPr/>
+          <p:nvPr/>
+        </p:nvSpPr>
+        <p:spPr>
+          <a:xfrm>
+            <a:off x="1763688" y="3539520"/>
+            <a:ext cx="216024" cy="216024"/>
+          </a:xfrm>
+          <a:prstGeom prst="ellipse">
+            <a:avLst/>
+          </a:prstGeom>
+        </p:spPr>
+        <p:style>
+          <a:lnRef idx="2">
+            <a:schemeClr val="accent1">
+              <a:shade val="50000"/>
+            </a:schemeClr>
+          </a:lnRef>
+          <a:fillRef idx="1">
+            <a:schemeClr val="accent1"/>
+          </a:fillRef>
+          <a:effectRef idx="0">
+            <a:schemeClr val="accent1"/>
+          </a:effectRef>
+          <a:fontRef idx="minor">
+            <a:schemeClr val="lt1"/>
+          </a:fontRef>
+        </p:style>
+        <p:txBody>
+          <a:bodyPr rtlCol="0" anchor="ctr"/>
+          <a:lstStyle/>
+          <a:p>
+            <a:pPr algn="ctr"/>
+            <a:endParaRPr lang="sv-SE"/>
+          </a:p>
+        </p:txBody>
+      </p:sp>
+      <p:sp>
+        <p:nvSpPr>
+          <p:cNvPr id="6" name="Ellips 5"/>
+          <p:cNvSpPr/>
+          <p:nvPr/>
+        </p:nvSpPr>
+        <p:spPr>
+          <a:xfrm>
+            <a:off x="2003796" y="3971568"/>
+            <a:ext cx="216024" cy="216024"/>
+          </a:xfrm>
+          <a:prstGeom prst="ellipse">
+            <a:avLst/>
+          </a:prstGeom>
+        </p:spPr>
+        <p:style>
+          <a:lnRef idx="2">
+            <a:schemeClr val="accent1">
+              <a:shade val="50000"/>
+            </a:schemeClr>
+          </a:lnRef>
+          <a:fillRef idx="1">
+            <a:schemeClr val="accent1"/>
+          </a:fillRef>
+          <a:effectRef idx="0">
+            <a:schemeClr val="accent1"/>
+          </a:effectRef>
+          <a:fontRef idx="minor">
+            <a:schemeClr val="lt1"/>
+          </a:fontRef>
+        </p:style>
+        <p:txBody>
+          <a:bodyPr rtlCol="0" anchor="ctr"/>
+          <a:lstStyle/>
+          <a:p>
+            <a:pPr algn="ctr"/>
+            <a:endParaRPr lang="sv-SE"/>
+          </a:p>
+        </p:txBody>
+      </p:sp>
+      <p:cxnSp>
+        <p:nvCxnSpPr>
+          <p:cNvPr id="7" name="Rak pil 6"/>
+          <p:cNvCxnSpPr>
+            <a:stCxn id="4" idx="5"/>
+            <a:endCxn id="6" idx="0"/>
+          </p:cNvCxnSpPr>
+          <p:nvPr/>
+        </p:nvCxnSpPr>
+        <p:spPr>
+          <a:xfrm>
+            <a:off x="1948076" y="3723908"/>
+            <a:ext cx="163732" cy="247660"/>
+          </a:xfrm>
+          <a:prstGeom prst="straightConnector1">
+            <a:avLst/>
+          </a:prstGeom>
+          <a:ln>
+            <a:solidFill>
+              <a:schemeClr val="tx1">
+                <a:lumMod val="50000"/>
+                <a:lumOff val="50000"/>
+              </a:schemeClr>
+            </a:solidFill>
+            <a:headEnd type="none" w="med" len="med"/>
+            <a:tailEnd type="triangle" w="med" len="med"/>
+          </a:ln>
+        </p:spPr>
+        <p:style>
+          <a:lnRef idx="1">
+            <a:schemeClr val="accent1"/>
+          </a:lnRef>
+          <a:fillRef idx="0">
+            <a:schemeClr val="accent1"/>
+          </a:fillRef>
+          <a:effectRef idx="0">
+            <a:schemeClr val="accent1"/>
+          </a:effectRef>
+          <a:fontRef idx="minor">
+            <a:schemeClr val="tx1"/>
+          </a:fontRef>
+        </p:style>
+      </p:cxnSp>
+      <p:cxnSp>
+        <p:nvCxnSpPr>
+          <p:cNvPr id="10" name="Rak pil 9"/>
+          <p:cNvCxnSpPr>
+            <a:stCxn id="4" idx="3"/>
+            <a:endCxn id="11" idx="0"/>
+          </p:cNvCxnSpPr>
+          <p:nvPr/>
+        </p:nvCxnSpPr>
+        <p:spPr>
+          <a:xfrm flipH="1">
+            <a:off x="1655676" y="3723908"/>
+            <a:ext cx="139648" cy="264408"/>
+          </a:xfrm>
+          <a:prstGeom prst="straightConnector1">
+            <a:avLst/>
+          </a:prstGeom>
+          <a:ln>
+            <a:solidFill>
+              <a:schemeClr val="tx1">
+                <a:lumMod val="50000"/>
+                <a:lumOff val="50000"/>
+              </a:schemeClr>
+            </a:solidFill>
+            <a:headEnd type="none" w="med" len="med"/>
+            <a:tailEnd type="triangle" w="med" len="med"/>
+          </a:ln>
+        </p:spPr>
+        <p:style>
+          <a:lnRef idx="1">
+            <a:schemeClr val="accent1"/>
+          </a:lnRef>
+          <a:fillRef idx="0">
+            <a:schemeClr val="accent1"/>
+          </a:fillRef>
+          <a:effectRef idx="0">
+            <a:schemeClr val="accent1"/>
+          </a:effectRef>
+          <a:fontRef idx="minor">
+            <a:schemeClr val="tx1"/>
+          </a:fontRef>
+        </p:style>
+      </p:cxnSp>
+      <p:sp>
+        <p:nvSpPr>
+          <p:cNvPr id="11" name="Ellips 10"/>
+          <p:cNvSpPr/>
+          <p:nvPr/>
+        </p:nvSpPr>
+        <p:spPr>
+          <a:xfrm>
+            <a:off x="1547664" y="3988316"/>
+            <a:ext cx="216024" cy="216024"/>
+          </a:xfrm>
+          <a:prstGeom prst="ellipse">
+            <a:avLst/>
+          </a:prstGeom>
+        </p:spPr>
+        <p:style>
+          <a:lnRef idx="2">
+            <a:schemeClr val="accent1">
+              <a:shade val="50000"/>
+            </a:schemeClr>
+          </a:lnRef>
+          <a:fillRef idx="1">
+            <a:schemeClr val="accent1"/>
+          </a:fillRef>
+          <a:effectRef idx="0">
+            <a:schemeClr val="accent1"/>
+          </a:effectRef>
+          <a:fontRef idx="minor">
+            <a:schemeClr val="lt1"/>
+          </a:fontRef>
+        </p:style>
+        <p:txBody>
+          <a:bodyPr rtlCol="0" anchor="ctr"/>
+          <a:lstStyle/>
+          <a:p>
+            <a:pPr algn="ctr"/>
+            <a:endParaRPr lang="sv-SE"/>
+          </a:p>
+        </p:txBody>
+      </p:sp>
+      <p:sp>
+        <p:nvSpPr>
+          <p:cNvPr id="16" name="Ellips 15"/>
+          <p:cNvSpPr/>
+          <p:nvPr/>
+        </p:nvSpPr>
+        <p:spPr>
+          <a:xfrm>
+            <a:off x="2483768" y="4492372"/>
+            <a:ext cx="216024" cy="216024"/>
+          </a:xfrm>
+          <a:prstGeom prst="ellipse">
+            <a:avLst/>
+          </a:prstGeom>
+        </p:spPr>
+        <p:style>
+          <a:lnRef idx="2">
+            <a:schemeClr val="accent1">
+              <a:shade val="50000"/>
+            </a:schemeClr>
+          </a:lnRef>
+          <a:fillRef idx="1">
+            <a:schemeClr val="accent1"/>
+          </a:fillRef>
+          <a:effectRef idx="0">
+            <a:schemeClr val="accent1"/>
+          </a:effectRef>
+          <a:fontRef idx="minor">
+            <a:schemeClr val="lt1"/>
+          </a:fontRef>
+        </p:style>
+        <p:txBody>
+          <a:bodyPr rtlCol="0" anchor="ctr"/>
+          <a:lstStyle/>
+          <a:p>
+            <a:pPr algn="ctr"/>
+            <a:endParaRPr lang="sv-SE"/>
+          </a:p>
+        </p:txBody>
+      </p:sp>
+      <p:cxnSp>
+        <p:nvCxnSpPr>
+          <p:cNvPr id="17" name="Rak pil 16"/>
+          <p:cNvCxnSpPr>
+            <a:stCxn id="6" idx="5"/>
+            <a:endCxn id="16" idx="0"/>
+          </p:cNvCxnSpPr>
+          <p:nvPr/>
+        </p:nvCxnSpPr>
+        <p:spPr>
+          <a:xfrm>
+            <a:off x="2188184" y="4155956"/>
+            <a:ext cx="403596" cy="336416"/>
+          </a:xfrm>
+          <a:prstGeom prst="straightConnector1">
+            <a:avLst/>
+          </a:prstGeom>
+          <a:ln>
+            <a:solidFill>
+              <a:schemeClr val="tx1">
+                <a:lumMod val="50000"/>
+                <a:lumOff val="50000"/>
+              </a:schemeClr>
+            </a:solidFill>
+            <a:headEnd type="none" w="med" len="med"/>
+            <a:tailEnd type="triangle" w="med" len="med"/>
+          </a:ln>
+        </p:spPr>
+        <p:style>
+          <a:lnRef idx="1">
+            <a:schemeClr val="accent1"/>
+          </a:lnRef>
+          <a:fillRef idx="0">
+            <a:schemeClr val="accent1"/>
+          </a:fillRef>
+          <a:effectRef idx="0">
+            <a:schemeClr val="accent1"/>
+          </a:effectRef>
+          <a:fontRef idx="minor">
+            <a:schemeClr val="tx1"/>
+          </a:fontRef>
+        </p:style>
+      </p:cxnSp>
+      <p:cxnSp>
+        <p:nvCxnSpPr>
+          <p:cNvPr id="18" name="Rak pil 17"/>
+          <p:cNvCxnSpPr>
+            <a:stCxn id="6" idx="4"/>
+            <a:endCxn id="19" idx="0"/>
+          </p:cNvCxnSpPr>
+          <p:nvPr/>
+        </p:nvCxnSpPr>
+        <p:spPr>
+          <a:xfrm>
+            <a:off x="2111808" y="4187592"/>
+            <a:ext cx="23840" cy="321528"/>
+          </a:xfrm>
+          <a:prstGeom prst="straightConnector1">
+            <a:avLst/>
+          </a:prstGeom>
+          <a:ln>
+            <a:solidFill>
+              <a:schemeClr val="accent6">
+                <a:lumMod val="75000"/>
+              </a:schemeClr>
+            </a:solidFill>
+            <a:headEnd type="none" w="med" len="med"/>
+            <a:tailEnd type="triangle" w="med" len="med"/>
+          </a:ln>
+        </p:spPr>
+        <p:style>
+          <a:lnRef idx="1">
+            <a:schemeClr val="accent1"/>
+          </a:lnRef>
+          <a:fillRef idx="0">
+            <a:schemeClr val="accent1"/>
+          </a:fillRef>
+          <a:effectRef idx="0">
+            <a:schemeClr val="accent1"/>
+          </a:effectRef>
+          <a:fontRef idx="minor">
+            <a:schemeClr val="tx1"/>
+          </a:fontRef>
+        </p:style>
+      </p:cxnSp>
+      <p:sp>
+        <p:nvSpPr>
+          <p:cNvPr id="19" name="Ellips 18"/>
+          <p:cNvSpPr/>
+          <p:nvPr/>
+        </p:nvSpPr>
+        <p:spPr>
+          <a:xfrm>
+            <a:off x="2027636" y="4509120"/>
+            <a:ext cx="216024" cy="216024"/>
+          </a:xfrm>
+          <a:prstGeom prst="ellipse">
+            <a:avLst/>
+          </a:prstGeom>
+          <a:solidFill>
+            <a:schemeClr val="accent6">
+              <a:lumMod val="60000"/>
+              <a:lumOff val="40000"/>
+            </a:schemeClr>
+          </a:solidFill>
+          <a:ln>
+            <a:solidFill>
+              <a:schemeClr val="accent6">
+                <a:lumMod val="75000"/>
+              </a:schemeClr>
+            </a:solidFill>
+          </a:ln>
+        </p:spPr>
+        <p:style>
+          <a:lnRef idx="2">
+            <a:schemeClr val="accent1">
+              <a:shade val="50000"/>
+            </a:schemeClr>
+          </a:lnRef>
+          <a:fillRef idx="1">
+            <a:schemeClr val="accent1"/>
+          </a:fillRef>
+          <a:effectRef idx="0">
+            <a:schemeClr val="accent1"/>
+          </a:effectRef>
+          <a:fontRef idx="minor">
+            <a:schemeClr val="lt1"/>
+          </a:fontRef>
+        </p:style>
+        <p:txBody>
+          <a:bodyPr rtlCol="0" anchor="ctr"/>
+          <a:lstStyle/>
+          <a:p>
+            <a:pPr algn="ctr"/>
+            <a:endParaRPr lang="sv-SE"/>
+          </a:p>
+        </p:txBody>
+      </p:sp>
+      <p:sp>
+        <p:nvSpPr>
+          <p:cNvPr id="21" name="Ellips 20"/>
+          <p:cNvSpPr/>
+          <p:nvPr/>
+        </p:nvSpPr>
+        <p:spPr>
+          <a:xfrm>
+            <a:off x="1619672" y="4492372"/>
+            <a:ext cx="216024" cy="216024"/>
+          </a:xfrm>
+          <a:prstGeom prst="ellipse">
+            <a:avLst/>
+          </a:prstGeom>
+        </p:spPr>
+        <p:style>
+          <a:lnRef idx="2">
+            <a:schemeClr val="accent1">
+              <a:shade val="50000"/>
+            </a:schemeClr>
+          </a:lnRef>
+          <a:fillRef idx="1">
+            <a:schemeClr val="accent1"/>
+          </a:fillRef>
+          <a:effectRef idx="0">
+            <a:schemeClr val="accent1"/>
+          </a:effectRef>
+          <a:fontRef idx="minor">
+            <a:schemeClr val="lt1"/>
+          </a:fontRef>
+        </p:style>
+        <p:txBody>
+          <a:bodyPr rtlCol="0" anchor="ctr"/>
+          <a:lstStyle/>
+          <a:p>
+            <a:pPr algn="ctr"/>
+            <a:endParaRPr lang="sv-SE"/>
+          </a:p>
+        </p:txBody>
+      </p:sp>
+      <p:cxnSp>
+        <p:nvCxnSpPr>
+          <p:cNvPr id="22" name="Rak pil 21"/>
+          <p:cNvCxnSpPr>
+            <a:stCxn id="11" idx="4"/>
+            <a:endCxn id="21" idx="0"/>
+          </p:cNvCxnSpPr>
+          <p:nvPr/>
+        </p:nvCxnSpPr>
+        <p:spPr>
+          <a:xfrm>
+            <a:off x="1655676" y="4204340"/>
+            <a:ext cx="72008" cy="288032"/>
+          </a:xfrm>
+          <a:prstGeom prst="straightConnector1">
+            <a:avLst/>
+          </a:prstGeom>
+          <a:ln>
+            <a:solidFill>
+              <a:schemeClr val="tx1">
+                <a:lumMod val="50000"/>
+                <a:lumOff val="50000"/>
+              </a:schemeClr>
+            </a:solidFill>
+            <a:headEnd type="none" w="med" len="med"/>
+            <a:tailEnd type="triangle" w="med" len="med"/>
+          </a:ln>
+        </p:spPr>
+        <p:style>
+          <a:lnRef idx="1">
+            <a:schemeClr val="accent1"/>
+          </a:lnRef>
+          <a:fillRef idx="0">
+            <a:schemeClr val="accent1"/>
+          </a:fillRef>
+          <a:effectRef idx="0">
+            <a:schemeClr val="accent1"/>
+          </a:effectRef>
+          <a:fontRef idx="minor">
+            <a:schemeClr val="tx1"/>
+          </a:fontRef>
+        </p:style>
+      </p:cxnSp>
+      <p:cxnSp>
+        <p:nvCxnSpPr>
+          <p:cNvPr id="23" name="Rak pil 22"/>
+          <p:cNvCxnSpPr>
+            <a:stCxn id="11" idx="3"/>
+            <a:endCxn id="24" idx="0"/>
+          </p:cNvCxnSpPr>
+          <p:nvPr/>
+        </p:nvCxnSpPr>
+        <p:spPr>
+          <a:xfrm flipH="1">
+            <a:off x="1271552" y="4172704"/>
+            <a:ext cx="307748" cy="336416"/>
+          </a:xfrm>
+          <a:prstGeom prst="straightConnector1">
+            <a:avLst/>
+          </a:prstGeom>
+          <a:ln>
+            <a:solidFill>
+              <a:schemeClr val="tx1">
+                <a:lumMod val="50000"/>
+                <a:lumOff val="50000"/>
+              </a:schemeClr>
+            </a:solidFill>
+            <a:headEnd type="none" w="med" len="med"/>
+            <a:tailEnd type="triangle" w="med" len="med"/>
+          </a:ln>
+        </p:spPr>
+        <p:style>
+          <a:lnRef idx="1">
+            <a:schemeClr val="accent1"/>
+          </a:lnRef>
+          <a:fillRef idx="0">
+            <a:schemeClr val="accent1"/>
+          </a:fillRef>
+          <a:effectRef idx="0">
+            <a:schemeClr val="accent1"/>
+          </a:effectRef>
+          <a:fontRef idx="minor">
+            <a:schemeClr val="tx1"/>
+          </a:fontRef>
+        </p:style>
+      </p:cxnSp>
+      <p:sp>
+        <p:nvSpPr>
+          <p:cNvPr id="24" name="Ellips 23"/>
+          <p:cNvSpPr/>
+          <p:nvPr/>
+        </p:nvSpPr>
+        <p:spPr>
+          <a:xfrm>
+            <a:off x="1163540" y="4509120"/>
+            <a:ext cx="216024" cy="216024"/>
+          </a:xfrm>
+          <a:prstGeom prst="ellipse">
+            <a:avLst/>
+          </a:prstGeom>
+        </p:spPr>
+        <p:style>
+          <a:lnRef idx="2">
+            <a:schemeClr val="accent1">
+              <a:shade val="50000"/>
+            </a:schemeClr>
+          </a:lnRef>
+          <a:fillRef idx="1">
+            <a:schemeClr val="accent1"/>
+          </a:fillRef>
+          <a:effectRef idx="0">
+            <a:schemeClr val="accent1"/>
+          </a:effectRef>
+          <a:fontRef idx="minor">
+            <a:schemeClr val="lt1"/>
+          </a:fontRef>
+        </p:style>
+        <p:txBody>
+          <a:bodyPr rtlCol="0" anchor="ctr"/>
+          <a:lstStyle/>
+          <a:p>
+            <a:pPr algn="ctr"/>
+            <a:endParaRPr lang="sv-SE"/>
+          </a:p>
+        </p:txBody>
+      </p:sp>
+      <p:sp>
+        <p:nvSpPr>
+          <p:cNvPr id="32" name="Ellips 31"/>
+          <p:cNvSpPr/>
+          <p:nvPr/>
+        </p:nvSpPr>
+        <p:spPr>
+          <a:xfrm>
+            <a:off x="5364088" y="4060324"/>
+            <a:ext cx="216024" cy="216024"/>
+          </a:xfrm>
+          <a:prstGeom prst="ellipse">
+            <a:avLst/>
+          </a:prstGeom>
+        </p:spPr>
+        <p:style>
+          <a:lnRef idx="2">
+            <a:schemeClr val="accent1">
+              <a:shade val="50000"/>
+            </a:schemeClr>
+          </a:lnRef>
+          <a:fillRef idx="1">
+            <a:schemeClr val="accent1"/>
+          </a:fillRef>
+          <a:effectRef idx="0">
+            <a:schemeClr val="accent1"/>
+          </a:effectRef>
+          <a:fontRef idx="minor">
+            <a:schemeClr val="lt1"/>
+          </a:fontRef>
+        </p:style>
+        <p:txBody>
+          <a:bodyPr rtlCol="0" anchor="ctr"/>
+          <a:lstStyle/>
+          <a:p>
+            <a:pPr algn="ctr"/>
+            <a:endParaRPr lang="sv-SE"/>
+          </a:p>
+        </p:txBody>
+      </p:sp>
+      <p:sp>
+        <p:nvSpPr>
+          <p:cNvPr id="33" name="Ellips 32"/>
+          <p:cNvSpPr/>
+          <p:nvPr/>
+        </p:nvSpPr>
+        <p:spPr>
+          <a:xfrm>
+            <a:off x="5833492" y="4079580"/>
+            <a:ext cx="216024" cy="216024"/>
+          </a:xfrm>
+          <a:prstGeom prst="ellipse">
+            <a:avLst/>
+          </a:prstGeom>
+        </p:spPr>
+        <p:style>
+          <a:lnRef idx="2">
+            <a:schemeClr val="accent1">
+              <a:shade val="50000"/>
+            </a:schemeClr>
+          </a:lnRef>
+          <a:fillRef idx="1">
+            <a:schemeClr val="accent1"/>
+          </a:fillRef>
+          <a:effectRef idx="0">
+            <a:schemeClr val="accent1"/>
+          </a:effectRef>
+          <a:fontRef idx="minor">
+            <a:schemeClr val="lt1"/>
+          </a:fontRef>
+        </p:style>
+        <p:txBody>
+          <a:bodyPr rtlCol="0" anchor="ctr"/>
+          <a:lstStyle/>
+          <a:p>
+            <a:pPr algn="ctr"/>
+            <a:endParaRPr lang="sv-SE"/>
+          </a:p>
+        </p:txBody>
+      </p:sp>
+      <p:sp>
+        <p:nvSpPr>
+          <p:cNvPr id="34" name="Ellips 33"/>
+          <p:cNvSpPr/>
+          <p:nvPr/>
+        </p:nvSpPr>
+        <p:spPr>
+          <a:xfrm>
+            <a:off x="6312220" y="4079580"/>
+            <a:ext cx="216024" cy="216024"/>
+          </a:xfrm>
+          <a:prstGeom prst="ellipse">
+            <a:avLst/>
+          </a:prstGeom>
+        </p:spPr>
+        <p:style>
+          <a:lnRef idx="2">
+            <a:schemeClr val="accent1">
+              <a:shade val="50000"/>
+            </a:schemeClr>
+          </a:lnRef>
+          <a:fillRef idx="1">
+            <a:schemeClr val="accent1"/>
+          </a:fillRef>
+          <a:effectRef idx="0">
+            <a:schemeClr val="accent1"/>
+          </a:effectRef>
+          <a:fontRef idx="minor">
+            <a:schemeClr val="lt1"/>
+          </a:fontRef>
+        </p:style>
+        <p:txBody>
+          <a:bodyPr rtlCol="0" anchor="ctr"/>
+          <a:lstStyle/>
+          <a:p>
+            <a:pPr algn="ctr"/>
+            <a:endParaRPr lang="sv-SE"/>
+          </a:p>
+        </p:txBody>
+      </p:sp>
+      <p:sp>
+        <p:nvSpPr>
+          <p:cNvPr id="35" name="Ellips 34"/>
+          <p:cNvSpPr/>
+          <p:nvPr/>
+        </p:nvSpPr>
+        <p:spPr>
+          <a:xfrm>
+            <a:off x="6804248" y="4079580"/>
+            <a:ext cx="216024" cy="216024"/>
+          </a:xfrm>
+          <a:prstGeom prst="ellipse">
+            <a:avLst/>
+          </a:prstGeom>
+        </p:spPr>
+        <p:style>
+          <a:lnRef idx="2">
+            <a:schemeClr val="accent1">
+              <a:shade val="50000"/>
+            </a:schemeClr>
+          </a:lnRef>
+          <a:fillRef idx="1">
+            <a:schemeClr val="accent1"/>
+          </a:fillRef>
+          <a:effectRef idx="0">
+            <a:schemeClr val="accent1"/>
+          </a:effectRef>
+          <a:fontRef idx="minor">
+            <a:schemeClr val="lt1"/>
+          </a:fontRef>
+        </p:style>
+        <p:txBody>
+          <a:bodyPr rtlCol="0" anchor="ctr"/>
+          <a:lstStyle/>
+          <a:p>
+            <a:pPr algn="ctr"/>
+            <a:endParaRPr lang="sv-SE"/>
+          </a:p>
+        </p:txBody>
+      </p:sp>
+      <p:sp>
+        <p:nvSpPr>
+          <p:cNvPr id="36" name="Ellips 35"/>
+          <p:cNvSpPr/>
+          <p:nvPr/>
+        </p:nvSpPr>
+        <p:spPr>
+          <a:xfrm>
+            <a:off x="7308304" y="4079580"/>
+            <a:ext cx="216024" cy="216024"/>
+          </a:xfrm>
+          <a:prstGeom prst="ellipse">
+            <a:avLst/>
+          </a:prstGeom>
+          <a:solidFill>
+            <a:schemeClr val="accent6">
+              <a:lumMod val="60000"/>
+              <a:lumOff val="40000"/>
+            </a:schemeClr>
+          </a:solidFill>
+          <a:ln>
+            <a:solidFill>
+              <a:schemeClr val="accent6">
+                <a:lumMod val="75000"/>
+              </a:schemeClr>
+            </a:solidFill>
+          </a:ln>
+        </p:spPr>
+        <p:style>
+          <a:lnRef idx="2">
+            <a:schemeClr val="accent1">
+              <a:shade val="50000"/>
+            </a:schemeClr>
+          </a:lnRef>
+          <a:fillRef idx="1">
+            <a:schemeClr val="accent1"/>
+          </a:fillRef>
+          <a:effectRef idx="0">
+            <a:schemeClr val="accent1"/>
+          </a:effectRef>
+          <a:fontRef idx="minor">
+            <a:schemeClr val="lt1"/>
+          </a:fontRef>
+        </p:style>
+        <p:txBody>
+          <a:bodyPr rtlCol="0" anchor="ctr"/>
+          <a:lstStyle/>
+          <a:p>
+            <a:pPr algn="ctr"/>
+            <a:endParaRPr lang="sv-SE"/>
+          </a:p>
+        </p:txBody>
+      </p:sp>
+      <p:sp>
+        <p:nvSpPr>
+          <p:cNvPr id="37" name="Ellips 36"/>
+          <p:cNvSpPr/>
+          <p:nvPr/>
+        </p:nvSpPr>
+        <p:spPr>
+          <a:xfrm>
+            <a:off x="7812360" y="4079580"/>
+            <a:ext cx="216024" cy="216024"/>
+          </a:xfrm>
+          <a:prstGeom prst="ellipse">
+            <a:avLst/>
+          </a:prstGeom>
+        </p:spPr>
+        <p:style>
+          <a:lnRef idx="2">
+            <a:schemeClr val="accent1">
+              <a:shade val="50000"/>
+            </a:schemeClr>
+          </a:lnRef>
+          <a:fillRef idx="1">
+            <a:schemeClr val="accent1"/>
+          </a:fillRef>
+          <a:effectRef idx="0">
+            <a:schemeClr val="accent1"/>
+          </a:effectRef>
+          <a:fontRef idx="minor">
+            <a:schemeClr val="lt1"/>
+          </a:fontRef>
+        </p:style>
+        <p:txBody>
+          <a:bodyPr rtlCol="0" anchor="ctr"/>
+          <a:lstStyle/>
+          <a:p>
+            <a:pPr algn="ctr"/>
+            <a:endParaRPr lang="sv-SE"/>
+          </a:p>
+        </p:txBody>
+      </p:sp>
+      <p:sp>
+        <p:nvSpPr>
+          <p:cNvPr id="41" name="Ellips 40"/>
+          <p:cNvSpPr/>
+          <p:nvPr/>
+        </p:nvSpPr>
+        <p:spPr>
+          <a:xfrm>
+            <a:off x="8316416" y="4079580"/>
+            <a:ext cx="216024" cy="216024"/>
+          </a:xfrm>
+          <a:prstGeom prst="ellipse">
+            <a:avLst/>
+          </a:prstGeom>
+        </p:spPr>
+        <p:style>
+          <a:lnRef idx="2">
+            <a:schemeClr val="accent1">
+              <a:shade val="50000"/>
+            </a:schemeClr>
+          </a:lnRef>
+          <a:fillRef idx="1">
+            <a:schemeClr val="accent1"/>
+          </a:fillRef>
+          <a:effectRef idx="0">
+            <a:schemeClr val="accent1"/>
+          </a:effectRef>
+          <a:fontRef idx="minor">
+            <a:schemeClr val="lt1"/>
+          </a:fontRef>
+        </p:style>
+        <p:txBody>
+          <a:bodyPr rtlCol="0" anchor="ctr"/>
+          <a:lstStyle/>
+          <a:p>
+            <a:pPr algn="ctr"/>
+            <a:endParaRPr lang="sv-SE"/>
+          </a:p>
+        </p:txBody>
+      </p:sp>
+      <p:cxnSp>
+        <p:nvCxnSpPr>
+          <p:cNvPr id="42" name="Rak pil 41"/>
+          <p:cNvCxnSpPr>
+            <a:stCxn id="32" idx="7"/>
+            <a:endCxn id="33" idx="1"/>
+          </p:cNvCxnSpPr>
+          <p:nvPr/>
+        </p:nvCxnSpPr>
+        <p:spPr>
+          <a:xfrm>
+            <a:off x="5548476" y="4091960"/>
+            <a:ext cx="316652" cy="19256"/>
+          </a:xfrm>
+          <a:prstGeom prst="straightConnector1">
+            <a:avLst/>
+          </a:prstGeom>
+          <a:ln>
+            <a:solidFill>
+              <a:schemeClr val="tx1">
+                <a:lumMod val="50000"/>
+                <a:lumOff val="50000"/>
+              </a:schemeClr>
+            </a:solidFill>
+            <a:headEnd type="none" w="med" len="med"/>
+            <a:tailEnd type="triangle" w="med" len="med"/>
+          </a:ln>
+        </p:spPr>
+        <p:style>
+          <a:lnRef idx="1">
+            <a:schemeClr val="accent1"/>
+          </a:lnRef>
+          <a:fillRef idx="0">
+            <a:schemeClr val="accent1"/>
+          </a:fillRef>
+          <a:effectRef idx="0">
+            <a:schemeClr val="accent1"/>
+          </a:effectRef>
+          <a:fontRef idx="minor">
+            <a:schemeClr val="tx1"/>
+          </a:fontRef>
+        </p:style>
+      </p:cxnSp>
+      <p:cxnSp>
+        <p:nvCxnSpPr>
+          <p:cNvPr id="45" name="Rak pil 44"/>
+          <p:cNvCxnSpPr>
+            <a:stCxn id="33" idx="7"/>
+            <a:endCxn id="34" idx="1"/>
+          </p:cNvCxnSpPr>
+          <p:nvPr/>
+        </p:nvCxnSpPr>
+        <p:spPr>
+          <a:xfrm>
+            <a:off x="6017880" y="4111216"/>
+            <a:ext cx="325976" cy="0"/>
+          </a:xfrm>
+          <a:prstGeom prst="straightConnector1">
+            <a:avLst/>
+          </a:prstGeom>
+          <a:ln>
+            <a:solidFill>
+              <a:schemeClr val="tx1">
+                <a:lumMod val="50000"/>
+                <a:lumOff val="50000"/>
+              </a:schemeClr>
+            </a:solidFill>
+            <a:headEnd type="none" w="med" len="med"/>
+            <a:tailEnd type="triangle" w="med" len="med"/>
+          </a:ln>
+        </p:spPr>
+        <p:style>
+          <a:lnRef idx="1">
+            <a:schemeClr val="accent1"/>
+          </a:lnRef>
+          <a:fillRef idx="0">
+            <a:schemeClr val="accent1"/>
+          </a:fillRef>
+          <a:effectRef idx="0">
+            <a:schemeClr val="accent1"/>
+          </a:effectRef>
+          <a:fontRef idx="minor">
+            <a:schemeClr val="tx1"/>
+          </a:fontRef>
+        </p:style>
+      </p:cxnSp>
+      <p:cxnSp>
+        <p:nvCxnSpPr>
+          <p:cNvPr id="48" name="Rak pil 47"/>
+          <p:cNvCxnSpPr>
+            <a:stCxn id="34" idx="7"/>
+            <a:endCxn id="35" idx="1"/>
+          </p:cNvCxnSpPr>
+          <p:nvPr/>
+        </p:nvCxnSpPr>
+        <p:spPr>
+          <a:xfrm>
+            <a:off x="6496608" y="4111216"/>
+            <a:ext cx="339276" cy="0"/>
+          </a:xfrm>
+          <a:prstGeom prst="straightConnector1">
+            <a:avLst/>
+          </a:prstGeom>
+          <a:ln>
+            <a:solidFill>
+              <a:schemeClr val="tx1">
+                <a:lumMod val="50000"/>
+                <a:lumOff val="50000"/>
+              </a:schemeClr>
+            </a:solidFill>
+            <a:headEnd type="none" w="med" len="med"/>
+            <a:tailEnd type="triangle" w="med" len="med"/>
+          </a:ln>
+        </p:spPr>
+        <p:style>
+          <a:lnRef idx="1">
+            <a:schemeClr val="accent1"/>
+          </a:lnRef>
+          <a:fillRef idx="0">
+            <a:schemeClr val="accent1"/>
+          </a:fillRef>
+          <a:effectRef idx="0">
+            <a:schemeClr val="accent1"/>
+          </a:effectRef>
+          <a:fontRef idx="minor">
+            <a:schemeClr val="tx1"/>
+          </a:fontRef>
+        </p:style>
+      </p:cxnSp>
+      <p:cxnSp>
+        <p:nvCxnSpPr>
+          <p:cNvPr id="51" name="Rak pil 50"/>
+          <p:cNvCxnSpPr>
+            <a:stCxn id="35" idx="7"/>
+            <a:endCxn id="36" idx="1"/>
+          </p:cNvCxnSpPr>
+          <p:nvPr/>
+        </p:nvCxnSpPr>
+        <p:spPr>
+          <a:xfrm>
+            <a:off x="6988636" y="4111216"/>
+            <a:ext cx="351304" cy="0"/>
+          </a:xfrm>
+          <a:prstGeom prst="straightConnector1">
+            <a:avLst/>
+          </a:prstGeom>
+          <a:ln>
+            <a:solidFill>
+              <a:schemeClr val="accent6">
+                <a:lumMod val="75000"/>
+              </a:schemeClr>
+            </a:solidFill>
+            <a:headEnd type="none" w="med" len="med"/>
+            <a:tailEnd type="triangle" w="med" len="med"/>
+          </a:ln>
+        </p:spPr>
+        <p:style>
+          <a:lnRef idx="1">
+            <a:schemeClr val="accent1"/>
+          </a:lnRef>
+          <a:fillRef idx="0">
+            <a:schemeClr val="accent1"/>
+          </a:fillRef>
+          <a:effectRef idx="0">
+            <a:schemeClr val="accent1"/>
+          </a:effectRef>
+          <a:fontRef idx="minor">
+            <a:schemeClr val="tx1"/>
+          </a:fontRef>
+        </p:style>
+      </p:cxnSp>
+      <p:cxnSp>
+        <p:nvCxnSpPr>
+          <p:cNvPr id="54" name="Rak pil 53"/>
+          <p:cNvCxnSpPr>
+            <a:stCxn id="36" idx="7"/>
+            <a:endCxn id="37" idx="1"/>
+          </p:cNvCxnSpPr>
+          <p:nvPr/>
+        </p:nvCxnSpPr>
+        <p:spPr>
+          <a:xfrm>
+            <a:off x="7492692" y="4111216"/>
+            <a:ext cx="351304" cy="0"/>
+          </a:xfrm>
+          <a:prstGeom prst="straightConnector1">
+            <a:avLst/>
+          </a:prstGeom>
+          <a:ln>
+            <a:solidFill>
+              <a:schemeClr val="accent6">
+                <a:lumMod val="75000"/>
+              </a:schemeClr>
+            </a:solidFill>
+            <a:headEnd type="none" w="med" len="med"/>
+            <a:tailEnd type="triangle" w="med" len="med"/>
+          </a:ln>
+        </p:spPr>
+        <p:style>
+          <a:lnRef idx="1">
+            <a:schemeClr val="accent1"/>
+          </a:lnRef>
+          <a:fillRef idx="0">
+            <a:schemeClr val="accent1"/>
+          </a:fillRef>
+          <a:effectRef idx="0">
+            <a:schemeClr val="accent1"/>
+          </a:effectRef>
+          <a:fontRef idx="minor">
+            <a:schemeClr val="tx1"/>
+          </a:fontRef>
+        </p:style>
+      </p:cxnSp>
+      <p:cxnSp>
+        <p:nvCxnSpPr>
+          <p:cNvPr id="57" name="Rak pil 56"/>
+          <p:cNvCxnSpPr>
+            <a:stCxn id="37" idx="7"/>
+            <a:endCxn id="41" idx="1"/>
+          </p:cNvCxnSpPr>
+          <p:nvPr/>
+        </p:nvCxnSpPr>
+        <p:spPr>
+          <a:xfrm>
+            <a:off x="7996748" y="4111216"/>
+            <a:ext cx="351304" cy="0"/>
+          </a:xfrm>
+          <a:prstGeom prst="straightConnector1">
+            <a:avLst/>
+          </a:prstGeom>
+          <a:ln>
+            <a:solidFill>
+              <a:schemeClr val="tx1">
+                <a:lumMod val="50000"/>
+                <a:lumOff val="50000"/>
+              </a:schemeClr>
+            </a:solidFill>
+            <a:headEnd type="none" w="med" len="med"/>
+            <a:tailEnd type="triangle" w="med" len="med"/>
+          </a:ln>
+        </p:spPr>
+        <p:style>
+          <a:lnRef idx="1">
+            <a:schemeClr val="accent1"/>
+          </a:lnRef>
+          <a:fillRef idx="0">
+            <a:schemeClr val="accent1"/>
+          </a:fillRef>
+          <a:effectRef idx="0">
+            <a:schemeClr val="accent1"/>
+          </a:effectRef>
+          <a:fontRef idx="minor">
+            <a:schemeClr val="tx1"/>
+          </a:fontRef>
+        </p:style>
+      </p:cxnSp>
+      <p:cxnSp>
+        <p:nvCxnSpPr>
+          <p:cNvPr id="61" name="Rak pil 60"/>
+          <p:cNvCxnSpPr>
+            <a:stCxn id="41" idx="3"/>
+            <a:endCxn id="37" idx="5"/>
+          </p:cNvCxnSpPr>
+          <p:nvPr/>
+        </p:nvCxnSpPr>
+        <p:spPr>
+          <a:xfrm flipH="1">
+            <a:off x="7996748" y="4263968"/>
+            <a:ext cx="351304" cy="0"/>
+          </a:xfrm>
+          <a:prstGeom prst="straightConnector1">
+            <a:avLst/>
+          </a:prstGeom>
+          <a:ln>
+            <a:solidFill>
+              <a:schemeClr val="tx1">
+                <a:lumMod val="50000"/>
+                <a:lumOff val="50000"/>
+              </a:schemeClr>
+            </a:solidFill>
+            <a:headEnd type="none" w="med" len="med"/>
+            <a:tailEnd type="triangle" w="med" len="med"/>
+          </a:ln>
+        </p:spPr>
+        <p:style>
+          <a:lnRef idx="1">
+            <a:schemeClr val="accent1"/>
+          </a:lnRef>
+          <a:fillRef idx="0">
+            <a:schemeClr val="accent1"/>
+          </a:fillRef>
+          <a:effectRef idx="0">
+            <a:schemeClr val="accent1"/>
+          </a:effectRef>
+          <a:fontRef idx="minor">
+            <a:schemeClr val="tx1"/>
+          </a:fontRef>
+        </p:style>
+      </p:cxnSp>
+      <p:cxnSp>
+        <p:nvCxnSpPr>
+          <p:cNvPr id="64" name="Rak pil 63"/>
+          <p:cNvCxnSpPr>
+            <a:stCxn id="37" idx="3"/>
+            <a:endCxn id="36" idx="5"/>
+          </p:cNvCxnSpPr>
+          <p:nvPr/>
+        </p:nvCxnSpPr>
+        <p:spPr>
+          <a:xfrm flipH="1">
+            <a:off x="7492692" y="4263968"/>
+            <a:ext cx="351304" cy="0"/>
+          </a:xfrm>
+          <a:prstGeom prst="straightConnector1">
+            <a:avLst/>
+          </a:prstGeom>
+          <a:ln>
+            <a:solidFill>
+              <a:schemeClr val="accent6">
+                <a:lumMod val="75000"/>
+              </a:schemeClr>
+            </a:solidFill>
+            <a:headEnd type="none" w="med" len="med"/>
+            <a:tailEnd type="triangle" w="med" len="med"/>
+          </a:ln>
+        </p:spPr>
+        <p:style>
+          <a:lnRef idx="1">
+            <a:schemeClr val="accent1"/>
+          </a:lnRef>
+          <a:fillRef idx="0">
+            <a:schemeClr val="accent1"/>
+          </a:fillRef>
+          <a:effectRef idx="0">
+            <a:schemeClr val="accent1"/>
+          </a:effectRef>
+          <a:fontRef idx="minor">
+            <a:schemeClr val="tx1"/>
+          </a:fontRef>
+        </p:style>
+      </p:cxnSp>
+      <p:cxnSp>
+        <p:nvCxnSpPr>
+          <p:cNvPr id="67" name="Rak pil 66"/>
+          <p:cNvCxnSpPr>
+            <a:stCxn id="36" idx="3"/>
+            <a:endCxn id="35" idx="5"/>
+          </p:cNvCxnSpPr>
+          <p:nvPr/>
+        </p:nvCxnSpPr>
+        <p:spPr>
+          <a:xfrm flipH="1">
+            <a:off x="6988636" y="4263968"/>
+            <a:ext cx="351304" cy="0"/>
+          </a:xfrm>
+          <a:prstGeom prst="straightConnector1">
+            <a:avLst/>
+          </a:prstGeom>
+          <a:ln>
+            <a:solidFill>
+              <a:schemeClr val="accent6">
+                <a:lumMod val="75000"/>
+              </a:schemeClr>
+            </a:solidFill>
+            <a:headEnd type="none" w="med" len="med"/>
+            <a:tailEnd type="triangle" w="med" len="med"/>
+          </a:ln>
+        </p:spPr>
+        <p:style>
+          <a:lnRef idx="1">
+            <a:schemeClr val="accent1"/>
+          </a:lnRef>
+          <a:fillRef idx="0">
+            <a:schemeClr val="accent1"/>
+          </a:fillRef>
+          <a:effectRef idx="0">
+            <a:schemeClr val="accent1"/>
+          </a:effectRef>
+          <a:fontRef idx="minor">
+            <a:schemeClr val="tx1"/>
+          </a:fontRef>
+        </p:style>
+      </p:cxnSp>
+      <p:cxnSp>
+        <p:nvCxnSpPr>
+          <p:cNvPr id="70" name="Rak pil 69"/>
+          <p:cNvCxnSpPr>
+            <a:stCxn id="35" idx="3"/>
+            <a:endCxn id="34" idx="5"/>
+          </p:cNvCxnSpPr>
+          <p:nvPr/>
+        </p:nvCxnSpPr>
+        <p:spPr>
+          <a:xfrm flipH="1">
+            <a:off x="6496608" y="4263968"/>
+            <a:ext cx="339276" cy="0"/>
+          </a:xfrm>
+          <a:prstGeom prst="straightConnector1">
+            <a:avLst/>
+          </a:prstGeom>
+          <a:ln>
+            <a:solidFill>
+              <a:schemeClr val="tx1">
+                <a:lumMod val="50000"/>
+                <a:lumOff val="50000"/>
+              </a:schemeClr>
+            </a:solidFill>
+            <a:headEnd type="none" w="med" len="med"/>
+            <a:tailEnd type="triangle" w="med" len="med"/>
+          </a:ln>
+        </p:spPr>
+        <p:style>
+          <a:lnRef idx="1">
+            <a:schemeClr val="accent1"/>
+          </a:lnRef>
+          <a:fillRef idx="0">
+            <a:schemeClr val="accent1"/>
+          </a:fillRef>
+          <a:effectRef idx="0">
+            <a:schemeClr val="accent1"/>
+          </a:effectRef>
+          <a:fontRef idx="minor">
+            <a:schemeClr val="tx1"/>
+          </a:fontRef>
+        </p:style>
+      </p:cxnSp>
+      <p:cxnSp>
+        <p:nvCxnSpPr>
+          <p:cNvPr id="73" name="Rak pil 72"/>
+          <p:cNvCxnSpPr>
+            <a:stCxn id="34" idx="3"/>
+            <a:endCxn id="33" idx="5"/>
+          </p:cNvCxnSpPr>
+          <p:nvPr/>
+        </p:nvCxnSpPr>
+        <p:spPr>
+          <a:xfrm flipH="1">
+            <a:off x="6017880" y="4263968"/>
+            <a:ext cx="325976" cy="0"/>
+          </a:xfrm>
+          <a:prstGeom prst="straightConnector1">
+            <a:avLst/>
+          </a:prstGeom>
+          <a:ln>
+            <a:solidFill>
+              <a:schemeClr val="tx1">
+                <a:lumMod val="50000"/>
+                <a:lumOff val="50000"/>
+              </a:schemeClr>
+            </a:solidFill>
+            <a:headEnd type="none" w="med" len="med"/>
+            <a:tailEnd type="triangle" w="med" len="med"/>
+          </a:ln>
+        </p:spPr>
+        <p:style>
+          <a:lnRef idx="1">
+            <a:schemeClr val="accent1"/>
+          </a:lnRef>
+          <a:fillRef idx="0">
+            <a:schemeClr val="accent1"/>
+          </a:fillRef>
+          <a:effectRef idx="0">
+            <a:schemeClr val="accent1"/>
+          </a:effectRef>
+          <a:fontRef idx="minor">
+            <a:schemeClr val="tx1"/>
+          </a:fontRef>
+        </p:style>
+      </p:cxnSp>
+      <p:cxnSp>
+        <p:nvCxnSpPr>
+          <p:cNvPr id="76" name="Rak pil 75"/>
+          <p:cNvCxnSpPr>
+            <a:stCxn id="33" idx="3"/>
+            <a:endCxn id="32" idx="5"/>
+          </p:cNvCxnSpPr>
+          <p:nvPr/>
+        </p:nvCxnSpPr>
+        <p:spPr>
+          <a:xfrm flipH="1" flipV="1">
+            <a:off x="5548476" y="4244712"/>
+            <a:ext cx="316652" cy="19256"/>
+          </a:xfrm>
+          <a:prstGeom prst="straightConnector1">
+            <a:avLst/>
+          </a:prstGeom>
+          <a:ln>
+            <a:solidFill>
+              <a:schemeClr val="tx1">
+                <a:lumMod val="50000"/>
+                <a:lumOff val="50000"/>
+              </a:schemeClr>
+            </a:solidFill>
+            <a:headEnd type="none" w="med" len="med"/>
+            <a:tailEnd type="triangle" w="med" len="med"/>
+          </a:ln>
+        </p:spPr>
+        <p:style>
+          <a:lnRef idx="1">
+            <a:schemeClr val="accent1"/>
+          </a:lnRef>
+          <a:fillRef idx="0">
+            <a:schemeClr val="accent1"/>
+          </a:fillRef>
+          <a:effectRef idx="0">
+            <a:schemeClr val="accent1"/>
+          </a:effectRef>
+          <a:fontRef idx="minor">
+            <a:schemeClr val="tx1"/>
+          </a:fontRef>
+        </p:style>
+      </p:cxnSp>
+      <p:sp>
+        <p:nvSpPr>
+          <p:cNvPr id="79" name="Höger 78"/>
+          <p:cNvSpPr/>
+          <p:nvPr/>
+        </p:nvSpPr>
+        <p:spPr>
+          <a:xfrm>
+            <a:off x="3298716" y="4096328"/>
+            <a:ext cx="1417300" cy="299767"/>
+          </a:xfrm>
+          <a:prstGeom prst="rightArrow">
+            <a:avLst>
+              <a:gd name="adj1" fmla="val 50000"/>
+              <a:gd name="adj2" fmla="val 70336"/>
+            </a:avLst>
+          </a:prstGeom>
+          <a:solidFill>
+            <a:schemeClr val="bg1">
+              <a:lumMod val="85000"/>
+            </a:schemeClr>
+          </a:solidFill>
+          <a:ln w="12700">
+            <a:solidFill>
+              <a:schemeClr val="bg1">
+                <a:lumMod val="65000"/>
+              </a:schemeClr>
+            </a:solidFill>
+          </a:ln>
+        </p:spPr>
+        <p:style>
+          <a:lnRef idx="2">
+            <a:schemeClr val="accent1">
+              <a:shade val="50000"/>
+            </a:schemeClr>
+          </a:lnRef>
+          <a:fillRef idx="1">
+            <a:schemeClr val="accent1"/>
+          </a:fillRef>
+          <a:effectRef idx="0">
+            <a:schemeClr val="accent1"/>
+          </a:effectRef>
+          <a:fontRef idx="minor">
+            <a:schemeClr val="lt1"/>
+          </a:fontRef>
+        </p:style>
+        <p:txBody>
+          <a:bodyPr rtlCol="0" anchor="ctr"/>
+          <a:lstStyle/>
+          <a:p>
+            <a:pPr algn="ctr"/>
+            <a:endParaRPr lang="sv-SE"/>
+          </a:p>
+        </p:txBody>
+      </p:sp>
+      <p:sp>
+        <p:nvSpPr>
+          <p:cNvPr id="80" name="textruta 79"/>
+          <p:cNvSpPr txBox="1"/>
+          <p:nvPr/>
+        </p:nvSpPr>
+        <p:spPr>
+          <a:xfrm>
+            <a:off x="2819116" y="5157192"/>
+            <a:ext cx="2652984" cy="600164"/>
+          </a:xfrm>
+          <a:prstGeom prst="rect">
+            <a:avLst/>
+          </a:prstGeom>
+          <a:noFill/>
+        </p:spPr>
+        <p:txBody>
+          <a:bodyPr wrap="square" rtlCol="0">
+            <a:spAutoFit/>
+          </a:bodyPr>
+          <a:lstStyle/>
+          <a:p>
+            <a:r>
+              <a:rPr lang="sv-SE" sz="1100" smtClean="0"/>
+              <a:t>A small change in the original tree structure, will give cause to a small change in the </a:t>
+            </a:r>
+            <a:r>
+              <a:rPr lang="sv-SE" sz="1100" b="1" smtClean="0"/>
+              <a:t>reCached</a:t>
+            </a:r>
+            <a:r>
+              <a:rPr lang="sv-SE" sz="1100" smtClean="0"/>
+              <a:t> data structure</a:t>
+            </a:r>
+            <a:r>
+              <a:rPr lang="sv-SE" sz="1100" smtClean="0"/>
+              <a:t>. </a:t>
+            </a:r>
+            <a:endParaRPr lang="sv-SE" sz="1100"/>
+          </a:p>
+        </p:txBody>
+      </p:sp>
+      <p:cxnSp>
+        <p:nvCxnSpPr>
+          <p:cNvPr id="81" name="Rak 80"/>
+          <p:cNvCxnSpPr>
+            <a:stCxn id="36" idx="4"/>
+            <a:endCxn id="80" idx="3"/>
+          </p:cNvCxnSpPr>
+          <p:nvPr/>
+        </p:nvCxnSpPr>
+        <p:spPr>
+          <a:xfrm flipH="1">
+            <a:off x="5472100" y="4295604"/>
+            <a:ext cx="1944216" cy="1161670"/>
+          </a:xfrm>
+          <a:prstGeom prst="line">
+            <a:avLst/>
+          </a:prstGeom>
+        </p:spPr>
+        <p:style>
+          <a:lnRef idx="1">
+            <a:schemeClr val="accent1"/>
+          </a:lnRef>
+          <a:fillRef idx="0">
+            <a:schemeClr val="accent1"/>
+          </a:fillRef>
+          <a:effectRef idx="0">
+            <a:schemeClr val="accent1"/>
+          </a:effectRef>
+          <a:fontRef idx="minor">
+            <a:schemeClr val="tx1"/>
+          </a:fontRef>
+        </p:style>
+      </p:cxnSp>
+      <p:cxnSp>
+        <p:nvCxnSpPr>
+          <p:cNvPr id="85" name="Rak 84"/>
+          <p:cNvCxnSpPr>
+            <a:endCxn id="80" idx="1"/>
+          </p:cNvCxnSpPr>
+          <p:nvPr/>
+        </p:nvCxnSpPr>
+        <p:spPr>
+          <a:xfrm>
+            <a:off x="2111808" y="4797152"/>
+            <a:ext cx="707308" cy="660122"/>
+          </a:xfrm>
+          <a:prstGeom prst="line">
+            <a:avLst/>
+          </a:prstGeom>
+        </p:spPr>
+        <p:style>
+          <a:lnRef idx="1">
+            <a:schemeClr val="accent1"/>
+          </a:lnRef>
+          <a:fillRef idx="0">
+            <a:schemeClr val="accent1"/>
+          </a:fillRef>
+          <a:effectRef idx="0">
+            <a:schemeClr val="accent1"/>
+          </a:effectRef>
+          <a:fontRef idx="minor">
+            <a:schemeClr val="tx1"/>
+          </a:fontRef>
+        </p:style>
+      </p:cxnSp>
+      <p:sp>
+        <p:nvSpPr>
+          <p:cNvPr id="88" name="textruta 87"/>
+          <p:cNvSpPr txBox="1"/>
+          <p:nvPr/>
+        </p:nvSpPr>
+        <p:spPr>
+          <a:xfrm>
+            <a:off x="3496860" y="1633789"/>
+            <a:ext cx="3169386" cy="2308324"/>
+          </a:xfrm>
+          <a:prstGeom prst="rect">
+            <a:avLst/>
+          </a:prstGeom>
+          <a:solidFill>
+            <a:schemeClr val="bg1">
+              <a:lumMod val="95000"/>
+            </a:schemeClr>
+          </a:solidFill>
+          <a:ln>
+            <a:solidFill>
+              <a:schemeClr val="bg1">
+                <a:lumMod val="65000"/>
+              </a:schemeClr>
+            </a:solidFill>
+          </a:ln>
+        </p:spPr>
+        <p:txBody>
+          <a:bodyPr wrap="square" rtlCol="0">
+            <a:spAutoFit/>
+          </a:bodyPr>
+          <a:lstStyle/>
+          <a:p>
+            <a:r>
+              <a:rPr lang="sv-SE" sz="900" smtClean="0"/>
+              <a:t>…</a:t>
+            </a:r>
+          </a:p>
+          <a:p>
+            <a:r>
+              <a:rPr lang="sv-SE" sz="900" smtClean="0"/>
+              <a:t>flatten : function</a:t>
+            </a:r>
+            <a:r>
+              <a:rPr lang="sv-SE" sz="900" smtClean="0"/>
+              <a:t>() {</a:t>
+            </a:r>
+          </a:p>
+          <a:p>
+            <a:r>
+              <a:rPr lang="sv-SE" sz="900" smtClean="0"/>
+              <a:t>    var node = create</a:t>
+            </a:r>
+            <a:r>
+              <a:rPr lang="sv-SE" sz="900" smtClean="0"/>
+              <a:t>( {</a:t>
+            </a:r>
+            <a:r>
+              <a:rPr lang="sv-SE" sz="900" smtClean="0"/>
+              <a:t>data: this.getData</a:t>
+            </a:r>
+            <a:r>
+              <a:rPr lang="sv-SE" sz="900" smtClean="0"/>
+              <a:t>()}, node.id + ’_cacheId’)</a:t>
+            </a:r>
+            <a:endParaRPr lang="sv-SE" sz="900" smtClean="0"/>
+          </a:p>
+          <a:p>
+            <a:r>
+              <a:rPr lang="sv-SE" sz="900" smtClean="0"/>
+              <a:t>    var lastNode = null;</a:t>
+            </a:r>
+          </a:p>
+          <a:p>
+            <a:r>
+              <a:rPr lang="sv-SE" sz="900"/>
+              <a:t> </a:t>
+            </a:r>
+            <a:r>
+              <a:rPr lang="sv-SE" sz="900" smtClean="0"/>
+              <a:t>   this.getChildren().forEach(function(child) {</a:t>
+            </a:r>
+          </a:p>
+          <a:p>
+            <a:r>
+              <a:rPr lang="sv-SE" sz="900"/>
+              <a:t> </a:t>
+            </a:r>
+            <a:r>
+              <a:rPr lang="sv-SE" sz="900" smtClean="0"/>
+              <a:t>       var flattenedChild = child.flatten();</a:t>
+            </a:r>
+          </a:p>
+          <a:p>
+            <a:r>
+              <a:rPr lang="sv-SE" sz="900" smtClean="0"/>
+              <a:t>        if (lastNode !== null) { </a:t>
+            </a:r>
+          </a:p>
+          <a:p>
+            <a:r>
+              <a:rPr lang="sv-SE" sz="900"/>
+              <a:t> </a:t>
+            </a:r>
+            <a:r>
+              <a:rPr lang="sv-SE" sz="900" smtClean="0"/>
+              <a:t>           lastNode.setNextNode(flattenedChild[0]);</a:t>
+            </a:r>
+          </a:p>
+          <a:p>
+            <a:r>
+              <a:rPr lang="sv-SE" sz="900"/>
+              <a:t> </a:t>
+            </a:r>
+            <a:r>
+              <a:rPr lang="sv-SE" sz="900" smtClean="0"/>
+              <a:t>           flattenedChild[0].setPreviousNode(lastNode); </a:t>
+            </a:r>
+          </a:p>
+          <a:p>
+            <a:r>
+              <a:rPr lang="sv-SE" sz="900"/>
+              <a:t> </a:t>
+            </a:r>
+            <a:r>
+              <a:rPr lang="sv-SE" sz="900" smtClean="0"/>
+              <a:t>       }</a:t>
+            </a:r>
+            <a:br>
+              <a:rPr lang="sv-SE" sz="900" smtClean="0"/>
+            </a:br>
+            <a:r>
+              <a:rPr lang="sv-SE" sz="900" smtClean="0"/>
+              <a:t>        lastNode = flattenedChild[1];</a:t>
+            </a:r>
+          </a:p>
+          <a:p>
+            <a:r>
+              <a:rPr lang="sv-SE" sz="900"/>
+              <a:t> </a:t>
+            </a:r>
+            <a:r>
+              <a:rPr lang="sv-SE" sz="900" smtClean="0"/>
+              <a:t>   });</a:t>
+            </a:r>
+          </a:p>
+          <a:p>
+            <a:r>
+              <a:rPr lang="sv-SE" sz="900"/>
+              <a:t> </a:t>
+            </a:r>
+            <a:r>
+              <a:rPr lang="sv-SE" sz="900" smtClean="0"/>
+              <a:t>   if (lastNode === null) { lastNode = node; }</a:t>
+            </a:r>
+          </a:p>
+          <a:p>
+            <a:r>
+              <a:rPr lang="sv-SE" sz="900"/>
+              <a:t> </a:t>
+            </a:r>
+            <a:r>
+              <a:rPr lang="sv-SE" sz="900" smtClean="0"/>
+              <a:t>   return [node, latstNode];</a:t>
+            </a:r>
+            <a:endParaRPr lang="sv-SE" sz="900"/>
+          </a:p>
+          <a:p>
+            <a:r>
+              <a:rPr lang="sv-SE" sz="900" smtClean="0"/>
+              <a:t>});</a:t>
+            </a:r>
+          </a:p>
+          <a:p>
+            <a:r>
+              <a:rPr lang="sv-SE" sz="900" smtClean="0"/>
+              <a:t>…</a:t>
+            </a:r>
+            <a:r>
+              <a:rPr lang="sv-SE" sz="900" smtClean="0"/>
+              <a:t>  </a:t>
+            </a:r>
+            <a:endParaRPr lang="sv-SE" sz="900"/>
+          </a:p>
+        </p:txBody>
+      </p:sp>
+      <p:sp>
+        <p:nvSpPr>
+          <p:cNvPr id="89" name="textruta 88"/>
+          <p:cNvSpPr txBox="1"/>
+          <p:nvPr/>
+        </p:nvSpPr>
+        <p:spPr>
+          <a:xfrm>
+            <a:off x="221172" y="2094240"/>
+            <a:ext cx="2244290" cy="623854"/>
+          </a:xfrm>
+          <a:prstGeom prst="rect">
+            <a:avLst/>
+          </a:prstGeom>
+          <a:noFill/>
+        </p:spPr>
+        <p:txBody>
+          <a:bodyPr wrap="square" rtlCol="0">
+            <a:spAutoFit/>
+          </a:bodyPr>
+          <a:lstStyle/>
+          <a:p>
+            <a:r>
+              <a:rPr lang="sv-SE" sz="1100" smtClean="0"/>
+              <a:t>All code </a:t>
+            </a:r>
+            <a:r>
+              <a:rPr lang="sv-SE" sz="1100" smtClean="0"/>
+              <a:t>necessary. A recursive function that flattens, a tree, and a reCached call to it. </a:t>
+            </a:r>
+            <a:endParaRPr lang="sv-SE" sz="1100"/>
+          </a:p>
+        </p:txBody>
+      </p:sp>
+      <p:cxnSp>
+        <p:nvCxnSpPr>
+          <p:cNvPr id="90" name="Rak 89"/>
+          <p:cNvCxnSpPr>
+            <a:stCxn id="88" idx="1"/>
+            <a:endCxn id="89" idx="3"/>
+          </p:cNvCxnSpPr>
+          <p:nvPr/>
+        </p:nvCxnSpPr>
+        <p:spPr>
+          <a:xfrm flipH="1" flipV="1">
+            <a:off x="2465462" y="2406167"/>
+            <a:ext cx="1031398" cy="381784"/>
+          </a:xfrm>
+          <a:prstGeom prst="line">
+            <a:avLst/>
+          </a:prstGeom>
+        </p:spPr>
+        <p:style>
+          <a:lnRef idx="1">
+            <a:schemeClr val="accent1"/>
+          </a:lnRef>
+          <a:fillRef idx="0">
+            <a:schemeClr val="accent1"/>
+          </a:fillRef>
+          <a:effectRef idx="0">
+            <a:schemeClr val="accent1"/>
+          </a:effectRef>
+          <a:fontRef idx="minor">
+            <a:schemeClr val="tx1"/>
+          </a:fontRef>
+        </p:style>
+      </p:cxnSp>
+      <p:sp>
+        <p:nvSpPr>
+          <p:cNvPr id="97" name="textruta 96"/>
+          <p:cNvSpPr txBox="1"/>
+          <p:nvPr/>
+        </p:nvSpPr>
+        <p:spPr>
+          <a:xfrm>
+            <a:off x="118282" y="3063917"/>
+            <a:ext cx="2797534" cy="230832"/>
+          </a:xfrm>
+          <a:prstGeom prst="rect">
+            <a:avLst/>
+          </a:prstGeom>
+          <a:solidFill>
+            <a:schemeClr val="bg1">
+              <a:lumMod val="95000"/>
+            </a:schemeClr>
+          </a:solidFill>
+          <a:ln>
+            <a:solidFill>
+              <a:schemeClr val="bg1">
+                <a:lumMod val="65000"/>
+              </a:schemeClr>
+            </a:solidFill>
+          </a:ln>
+        </p:spPr>
+        <p:txBody>
+          <a:bodyPr wrap="square" rtlCol="0">
+            <a:spAutoFit/>
+          </a:bodyPr>
+          <a:lstStyle/>
+          <a:p>
+            <a:r>
+              <a:rPr lang="sv-SE" sz="900" smtClean="0"/>
+              <a:t>var linkedList = </a:t>
+            </a:r>
+            <a:r>
+              <a:rPr lang="sv-SE" sz="900" smtClean="0"/>
+              <a:t>x.reCached(’flatten’) [</a:t>
+            </a:r>
+            <a:r>
+              <a:rPr lang="sv-SE" sz="900" smtClean="0"/>
+              <a:t>0];</a:t>
+            </a:r>
+            <a:endParaRPr lang="sv-SE" sz="900"/>
+          </a:p>
+        </p:txBody>
+      </p:sp>
+      <p:cxnSp>
+        <p:nvCxnSpPr>
+          <p:cNvPr id="98" name="Rak 97"/>
+          <p:cNvCxnSpPr>
+            <a:stCxn id="97" idx="0"/>
+            <a:endCxn id="89" idx="2"/>
+          </p:cNvCxnSpPr>
+          <p:nvPr/>
+        </p:nvCxnSpPr>
+        <p:spPr>
+          <a:xfrm flipH="1" flipV="1">
+            <a:off x="1343317" y="2718094"/>
+            <a:ext cx="173732" cy="345823"/>
+          </a:xfrm>
+          <a:prstGeom prst="line">
+            <a:avLst/>
+          </a:prstGeom>
+        </p:spPr>
+        <p:style>
+          <a:lnRef idx="1">
+            <a:schemeClr val="accent1"/>
+          </a:lnRef>
+          <a:fillRef idx="0">
+            <a:schemeClr val="accent1"/>
+          </a:fillRef>
+          <a:effectRef idx="0">
+            <a:schemeClr val="accent1"/>
+          </a:effectRef>
+          <a:fontRef idx="minor">
+            <a:schemeClr val="tx1"/>
+          </a:fontRef>
+        </p:style>
+      </p:cxnSp>
+    </p:spTree>
+    <p:extLst>
+      <p:ext uri="{BB962C8B-B14F-4D97-AF65-F5344CB8AC3E}">
+        <p14:creationId xmlns:p14="http://schemas.microsoft.com/office/powerpoint/2010/main" val="3822683196"/>
+      </p:ext>
+    </p:extLst>
+  </p:cSld>
+  <p:clrMapOvr>
+    <a:masterClrMapping/>
+  </p:clrMapOvr>
+</p:sld>
+</file>
+
 <file path=ppt/slides/slide2.xml><?xml version="1.0" encoding="utf-8"?>
 <p:sld xmlns:a="http://schemas.openxmlformats.org/drawingml/2006/main" xmlns:r="http://schemas.openxmlformats.org/officeDocument/2006/relationships" xmlns:p="http://schemas.openxmlformats.org/presentationml/2006/main">
   <p:cSld>
@@ -23517,19 +25442,7 @@
           <a:p>
             <a:r>
               <a:rPr lang="sv-SE" smtClean="0"/>
-              <a:t>Projection </a:t>
-            </a:r>
-            <a:r>
-              <a:rPr lang="sv-SE" smtClean="0"/>
-              <a:t>is repeated </a:t>
-            </a:r>
-            <a:r>
-              <a:rPr lang="sv-SE" smtClean="0"/>
-              <a:t>(reactive) </a:t>
-            </a:r>
-            <a:r>
-              <a:rPr lang="sv-SE" smtClean="0"/>
-              <a:t>infusion. </a:t>
+              <a:t>Projection is repeated (reactive) infusion. </a:t>
             </a:r>
             <a:br>
               <a:rPr lang="sv-SE" smtClean="0"/>
@@ -25088,11 +27001,7 @@
           <a:p>
             <a:r>
               <a:rPr lang="sv-SE" sz="900" smtClean="0"/>
-              <a:t>addMethod(’f</a:t>
-            </a:r>
-            <a:r>
-              <a:rPr lang="sv-SE" sz="900" smtClean="0"/>
-              <a:t>latten’, function() {</a:t>
+              <a:t>addMethod(’flatten’, function() {</a:t>
             </a:r>
           </a:p>
           <a:p>
